--- a/0 발표용 파워포인트/0529 4차발표/0529 project06 - 파워포인트 - 형준.pptx
+++ b/0 발표용 파워포인트/0529 4차발표/0529 project06 - 파워포인트 - 형준.pptx
@@ -5,7 +5,7 @@
     <p:sldMasterId id="2147483648" r:id="rId1"/>
   </p:sldMasterIdLst>
   <p:notesMasterIdLst>
-    <p:notesMasterId r:id="rId12"/>
+    <p:notesMasterId r:id="rId14"/>
   </p:notesMasterIdLst>
   <p:sldIdLst>
     <p:sldId id="256" r:id="rId2"/>
@@ -18,6 +18,8 @@
     <p:sldId id="263" r:id="rId9"/>
     <p:sldId id="264" r:id="rId10"/>
     <p:sldId id="265" r:id="rId11"/>
+    <p:sldId id="267" r:id="rId12"/>
+    <p:sldId id="268" r:id="rId13"/>
   </p:sldIdLst>
   <p:sldSz cx="12192000" cy="6858000"/>
   <p:notesSz cx="6858000" cy="9144000"/>
@@ -4222,6 +4224,1632 @@
     <p:extLst>
       <p:ext uri="{BB962C8B-B14F-4D97-AF65-F5344CB8AC3E}">
         <p14:creationId xmlns:p14="http://schemas.microsoft.com/office/powerpoint/2010/main" val="1450546232"/>
+      </p:ext>
+    </p:extLst>
+  </p:cSld>
+  <p:clrMapOvr>
+    <a:masterClrMapping/>
+  </p:clrMapOvr>
+  <p:timing>
+    <p:tnLst>
+      <p:par>
+        <p:cTn id="1" dur="indefinite" restart="never" nodeType="tmRoot"/>
+      </p:par>
+    </p:tnLst>
+  </p:timing>
+</p:sld>
+</file>
+
+<file path=ppt/slides/slide11.xml><?xml version="1.0" encoding="utf-8"?>
+<p:sld xmlns:a="http://schemas.openxmlformats.org/drawingml/2006/main" xmlns:r="http://schemas.openxmlformats.org/officeDocument/2006/relationships" xmlns:p="http://schemas.openxmlformats.org/presentationml/2006/main">
+  <p:cSld>
+    <p:spTree>
+      <p:nvGrpSpPr>
+        <p:cNvPr id="1" name=""/>
+        <p:cNvGrpSpPr/>
+        <p:nvPr/>
+      </p:nvGrpSpPr>
+      <p:grpSpPr>
+        <a:xfrm>
+          <a:off x="0" y="0"/>
+          <a:ext cx="0" cy="0"/>
+          <a:chOff x="0" y="0"/>
+          <a:chExt cx="0" cy="0"/>
+        </a:xfrm>
+      </p:grpSpPr>
+      <p:sp>
+        <p:nvSpPr>
+          <p:cNvPr id="6" name="양쪽 모서리가 둥근 사각형 5"/>
+          <p:cNvSpPr/>
+          <p:nvPr/>
+        </p:nvSpPr>
+        <p:spPr>
+          <a:xfrm>
+            <a:off x="143339" y="548680"/>
+            <a:ext cx="11905323" cy="6144683"/>
+          </a:xfrm>
+          <a:prstGeom prst="round2SameRect">
+            <a:avLst>
+              <a:gd name="adj1" fmla="val 0"/>
+              <a:gd name="adj2" fmla="val 2405"/>
+            </a:avLst>
+          </a:prstGeom>
+          <a:solidFill>
+            <a:schemeClr val="bg1"/>
+          </a:solidFill>
+          <a:ln>
+            <a:noFill/>
+          </a:ln>
+          <a:effectLst>
+            <a:outerShdw dist="254000" dir="5400000" sx="97000" sy="97000" algn="t" rotWithShape="0">
+              <a:prstClr val="black">
+                <a:alpha val="40000"/>
+              </a:prstClr>
+            </a:outerShdw>
+          </a:effectLst>
+        </p:spPr>
+        <p:style>
+          <a:lnRef idx="2">
+            <a:schemeClr val="accent1">
+              <a:shade val="50000"/>
+            </a:schemeClr>
+          </a:lnRef>
+          <a:fillRef idx="1">
+            <a:schemeClr val="accent1"/>
+          </a:fillRef>
+          <a:effectRef idx="0">
+            <a:schemeClr val="accent1"/>
+          </a:effectRef>
+          <a:fontRef idx="minor">
+            <a:schemeClr val="lt1"/>
+          </a:fontRef>
+        </p:style>
+        <p:txBody>
+          <a:bodyPr lIns="91440" tIns="45720" rIns="91440" bIns="45720" rtlCol="0" anchor="ctr"/>
+          <a:lstStyle/>
+          <a:p>
+            <a:pPr algn="ctr"/>
+            <a:endParaRPr lang="ko-KR" altLang="en-US" sz="2400">
+              <a:solidFill>
+                <a:prstClr val="white"/>
+              </a:solidFill>
+            </a:endParaRPr>
+          </a:p>
+        </p:txBody>
+      </p:sp>
+      <p:sp>
+        <p:nvSpPr>
+          <p:cNvPr id="5" name="양쪽 모서리가 둥근 사각형 4"/>
+          <p:cNvSpPr/>
+          <p:nvPr/>
+        </p:nvSpPr>
+        <p:spPr>
+          <a:xfrm>
+            <a:off x="143339" y="243880"/>
+            <a:ext cx="11905323" cy="304800"/>
+          </a:xfrm>
+          <a:prstGeom prst="round2SameRect">
+            <a:avLst>
+              <a:gd name="adj1" fmla="val 44667"/>
+              <a:gd name="adj2" fmla="val 0"/>
+            </a:avLst>
+          </a:prstGeom>
+          <a:solidFill>
+            <a:srgbClr val="411F42"/>
+          </a:solidFill>
+          <a:ln>
+            <a:noFill/>
+          </a:ln>
+          <a:effectLst>
+            <a:outerShdw dist="76200" dir="16200000" sx="97000" sy="97000" rotWithShape="0">
+              <a:prstClr val="black">
+                <a:alpha val="40000"/>
+              </a:prstClr>
+            </a:outerShdw>
+          </a:effectLst>
+        </p:spPr>
+        <p:style>
+          <a:lnRef idx="2">
+            <a:schemeClr val="accent1">
+              <a:shade val="50000"/>
+            </a:schemeClr>
+          </a:lnRef>
+          <a:fillRef idx="1">
+            <a:schemeClr val="accent1"/>
+          </a:fillRef>
+          <a:effectRef idx="0">
+            <a:schemeClr val="accent1"/>
+          </a:effectRef>
+          <a:fontRef idx="minor">
+            <a:schemeClr val="lt1"/>
+          </a:fontRef>
+        </p:style>
+        <p:txBody>
+          <a:bodyPr lIns="91440" tIns="45720" rIns="91440" bIns="45720" rtlCol="0" anchor="ctr"/>
+          <a:lstStyle/>
+          <a:p>
+            <a:pPr algn="ctr"/>
+            <a:endParaRPr lang="ko-KR" altLang="en-US" sz="2400">
+              <a:solidFill>
+                <a:prstClr val="white"/>
+              </a:solidFill>
+            </a:endParaRPr>
+          </a:p>
+        </p:txBody>
+      </p:sp>
+      <p:sp>
+        <p:nvSpPr>
+          <p:cNvPr id="7" name="직사각형 6"/>
+          <p:cNvSpPr/>
+          <p:nvPr/>
+        </p:nvSpPr>
+        <p:spPr>
+          <a:xfrm>
+            <a:off x="935120" y="366664"/>
+            <a:ext cx="10613801" cy="72000"/>
+          </a:xfrm>
+          <a:prstGeom prst="rect">
+            <a:avLst/>
+          </a:prstGeom>
+          <a:solidFill>
+            <a:schemeClr val="bg1"/>
+          </a:solidFill>
+          <a:ln>
+            <a:noFill/>
+          </a:ln>
+        </p:spPr>
+        <p:style>
+          <a:lnRef idx="2">
+            <a:schemeClr val="accent1">
+              <a:shade val="50000"/>
+            </a:schemeClr>
+          </a:lnRef>
+          <a:fillRef idx="1">
+            <a:schemeClr val="accent1"/>
+          </a:fillRef>
+          <a:effectRef idx="0">
+            <a:schemeClr val="accent1"/>
+          </a:effectRef>
+          <a:fontRef idx="minor">
+            <a:schemeClr val="lt1"/>
+          </a:fontRef>
+        </p:style>
+        <p:txBody>
+          <a:bodyPr lIns="91440" tIns="45720" rIns="91440" bIns="45720" rtlCol="0" anchor="ctr"/>
+          <a:lstStyle/>
+          <a:p>
+            <a:pPr algn="ctr"/>
+            <a:endParaRPr lang="ko-KR" altLang="en-US" sz="2400">
+              <a:solidFill>
+                <a:prstClr val="white"/>
+              </a:solidFill>
+            </a:endParaRPr>
+          </a:p>
+        </p:txBody>
+      </p:sp>
+      <p:sp>
+        <p:nvSpPr>
+          <p:cNvPr id="8" name="타원 7"/>
+          <p:cNvSpPr/>
+          <p:nvPr/>
+        </p:nvSpPr>
+        <p:spPr>
+          <a:xfrm>
+            <a:off x="576949" y="366664"/>
+            <a:ext cx="75276" cy="72000"/>
+          </a:xfrm>
+          <a:prstGeom prst="ellipse">
+            <a:avLst/>
+          </a:prstGeom>
+          <a:solidFill>
+            <a:srgbClr val="FF6189"/>
+          </a:solidFill>
+          <a:ln>
+            <a:noFill/>
+          </a:ln>
+        </p:spPr>
+        <p:style>
+          <a:lnRef idx="2">
+            <a:schemeClr val="accent1">
+              <a:shade val="50000"/>
+            </a:schemeClr>
+          </a:lnRef>
+          <a:fillRef idx="1">
+            <a:schemeClr val="accent1"/>
+          </a:fillRef>
+          <a:effectRef idx="0">
+            <a:schemeClr val="accent1"/>
+          </a:effectRef>
+          <a:fontRef idx="minor">
+            <a:schemeClr val="lt1"/>
+          </a:fontRef>
+        </p:style>
+        <p:txBody>
+          <a:bodyPr lIns="91440" tIns="45720" rIns="91440" bIns="45720" rtlCol="0" anchor="ctr"/>
+          <a:lstStyle/>
+          <a:p>
+            <a:pPr algn="ctr"/>
+            <a:endParaRPr lang="ko-KR" altLang="en-US" sz="2400">
+              <a:solidFill>
+                <a:prstClr val="white"/>
+              </a:solidFill>
+            </a:endParaRPr>
+          </a:p>
+        </p:txBody>
+      </p:sp>
+      <p:sp>
+        <p:nvSpPr>
+          <p:cNvPr id="9" name="타원 8"/>
+          <p:cNvSpPr/>
+          <p:nvPr/>
+        </p:nvSpPr>
+        <p:spPr>
+          <a:xfrm>
+            <a:off x="766826" y="366664"/>
+            <a:ext cx="75276" cy="72000"/>
+          </a:xfrm>
+          <a:prstGeom prst="ellipse">
+            <a:avLst/>
+          </a:prstGeom>
+          <a:solidFill>
+            <a:srgbClr val="00B0F0"/>
+          </a:solidFill>
+          <a:ln>
+            <a:noFill/>
+          </a:ln>
+        </p:spPr>
+        <p:style>
+          <a:lnRef idx="2">
+            <a:schemeClr val="accent1">
+              <a:shade val="50000"/>
+            </a:schemeClr>
+          </a:lnRef>
+          <a:fillRef idx="1">
+            <a:schemeClr val="accent1"/>
+          </a:fillRef>
+          <a:effectRef idx="0">
+            <a:schemeClr val="accent1"/>
+          </a:effectRef>
+          <a:fontRef idx="minor">
+            <a:schemeClr val="lt1"/>
+          </a:fontRef>
+        </p:style>
+        <p:txBody>
+          <a:bodyPr lIns="91440" tIns="45720" rIns="91440" bIns="45720" rtlCol="0" anchor="ctr"/>
+          <a:lstStyle/>
+          <a:p>
+            <a:pPr algn="ctr"/>
+            <a:endParaRPr lang="ko-KR" altLang="en-US" sz="2400">
+              <a:solidFill>
+                <a:prstClr val="white"/>
+              </a:solidFill>
+            </a:endParaRPr>
+          </a:p>
+        </p:txBody>
+      </p:sp>
+      <p:sp>
+        <p:nvSpPr>
+          <p:cNvPr id="10" name="타원 9"/>
+          <p:cNvSpPr/>
+          <p:nvPr/>
+        </p:nvSpPr>
+        <p:spPr>
+          <a:xfrm>
+            <a:off x="956703" y="366664"/>
+            <a:ext cx="75276" cy="72000"/>
+          </a:xfrm>
+          <a:prstGeom prst="ellipse">
+            <a:avLst/>
+          </a:prstGeom>
+          <a:solidFill>
+            <a:schemeClr val="accent4"/>
+          </a:solidFill>
+          <a:ln>
+            <a:noFill/>
+          </a:ln>
+        </p:spPr>
+        <p:style>
+          <a:lnRef idx="2">
+            <a:schemeClr val="accent1">
+              <a:shade val="50000"/>
+            </a:schemeClr>
+          </a:lnRef>
+          <a:fillRef idx="1">
+            <a:schemeClr val="accent1"/>
+          </a:fillRef>
+          <a:effectRef idx="0">
+            <a:schemeClr val="accent1"/>
+          </a:effectRef>
+          <a:fontRef idx="minor">
+            <a:schemeClr val="lt1"/>
+          </a:fontRef>
+        </p:style>
+        <p:txBody>
+          <a:bodyPr lIns="91440" tIns="45720" rIns="91440" bIns="45720" rtlCol="0" anchor="ctr"/>
+          <a:lstStyle/>
+          <a:p>
+            <a:pPr algn="ctr"/>
+            <a:endParaRPr lang="ko-KR" altLang="en-US" sz="2400">
+              <a:solidFill>
+                <a:prstClr val="white"/>
+              </a:solidFill>
+            </a:endParaRPr>
+          </a:p>
+        </p:txBody>
+      </p:sp>
+      <p:sp>
+        <p:nvSpPr>
+          <p:cNvPr id="11" name="직사각형 10"/>
+          <p:cNvSpPr/>
+          <p:nvPr/>
+        </p:nvSpPr>
+        <p:spPr>
+          <a:xfrm>
+            <a:off x="1871531" y="626202"/>
+            <a:ext cx="7532965" cy="646331"/>
+          </a:xfrm>
+          <a:prstGeom prst="rect">
+            <a:avLst/>
+          </a:prstGeom>
+        </p:spPr>
+        <p:txBody>
+          <a:bodyPr wrap="square" lIns="91440" tIns="45720" rIns="91440" bIns="45720">
+            <a:spAutoFit/>
+          </a:bodyPr>
+          <a:lstStyle/>
+          <a:p>
+            <a:pPr>
+              <a:lnSpc>
+                <a:spcPct val="150000"/>
+              </a:lnSpc>
+            </a:pPr>
+            <a:r>
+              <a:rPr lang="en-US" altLang="ko-KR" sz="2400" b="1" dirty="0">
+                <a:solidFill>
+                  <a:schemeClr val="tx1">
+                    <a:lumMod val="75000"/>
+                    <a:lumOff val="25000"/>
+                  </a:schemeClr>
+                </a:solidFill>
+                <a:latin typeface="+mj-ea"/>
+                <a:ea typeface="+mj-ea"/>
+              </a:rPr>
+              <a:t>[ </a:t>
+            </a:r>
+            <a:r>
+              <a:rPr lang="ko-KR" altLang="en-US" sz="2400" b="1" dirty="0">
+                <a:solidFill>
+                  <a:schemeClr val="tx1">
+                    <a:lumMod val="75000"/>
+                    <a:lumOff val="25000"/>
+                  </a:schemeClr>
+                </a:solidFill>
+                <a:latin typeface="+mj-ea"/>
+                <a:ea typeface="+mj-ea"/>
+              </a:rPr>
+              <a:t>화면구현 </a:t>
+            </a:r>
+            <a:r>
+              <a:rPr lang="en-US" altLang="ko-KR" sz="2400" b="1" dirty="0">
+                <a:solidFill>
+                  <a:schemeClr val="tx1">
+                    <a:lumMod val="75000"/>
+                    <a:lumOff val="25000"/>
+                  </a:schemeClr>
+                </a:solidFill>
+                <a:latin typeface="+mj-ea"/>
+                <a:ea typeface="+mj-ea"/>
+              </a:rPr>
+              <a:t>] </a:t>
+            </a:r>
+            <a:r>
+              <a:rPr lang="ko-KR" altLang="en-US" sz="2400" b="1" dirty="0" err="1" smtClean="0">
+                <a:solidFill>
+                  <a:schemeClr val="tx1">
+                    <a:lumMod val="75000"/>
+                    <a:lumOff val="25000"/>
+                  </a:schemeClr>
+                </a:solidFill>
+                <a:latin typeface="+mj-ea"/>
+                <a:ea typeface="+mj-ea"/>
+              </a:rPr>
+              <a:t>마이페이지</a:t>
+            </a:r>
+            <a:r>
+              <a:rPr lang="ko-KR" altLang="en-US" sz="2400" b="1" dirty="0" smtClean="0">
+                <a:solidFill>
+                  <a:schemeClr val="tx1">
+                    <a:lumMod val="75000"/>
+                    <a:lumOff val="25000"/>
+                  </a:schemeClr>
+                </a:solidFill>
+                <a:latin typeface="+mj-ea"/>
+                <a:ea typeface="+mj-ea"/>
+              </a:rPr>
+              <a:t> </a:t>
+            </a:r>
+            <a:r>
+              <a:rPr lang="en-US" altLang="ko-KR" sz="2400" b="1" dirty="0">
+                <a:solidFill>
+                  <a:schemeClr val="tx1">
+                    <a:lumMod val="75000"/>
+                    <a:lumOff val="25000"/>
+                  </a:schemeClr>
+                </a:solidFill>
+                <a:latin typeface="+mj-ea"/>
+                <a:ea typeface="+mj-ea"/>
+              </a:rPr>
+              <a:t>- </a:t>
+            </a:r>
+            <a:r>
+              <a:rPr lang="ko-KR" altLang="en-US" sz="2400" b="1" dirty="0" smtClean="0">
+                <a:solidFill>
+                  <a:schemeClr val="tx1">
+                    <a:lumMod val="75000"/>
+                    <a:lumOff val="25000"/>
+                  </a:schemeClr>
+                </a:solidFill>
+                <a:latin typeface="+mj-ea"/>
+                <a:ea typeface="+mj-ea"/>
+              </a:rPr>
+              <a:t>사용자</a:t>
+            </a:r>
+            <a:endParaRPr lang="ko-KR" altLang="en-US" sz="2400" b="1" dirty="0">
+              <a:solidFill>
+                <a:schemeClr val="tx1">
+                  <a:lumMod val="75000"/>
+                  <a:lumOff val="25000"/>
+                </a:schemeClr>
+              </a:solidFill>
+              <a:latin typeface="+mj-ea"/>
+              <a:ea typeface="+mj-ea"/>
+            </a:endParaRPr>
+          </a:p>
+        </p:txBody>
+      </p:sp>
+      <p:pic>
+        <p:nvPicPr>
+          <p:cNvPr id="13" name="Picture 2"/>
+          <p:cNvPicPr>
+            <a:picLocks noChangeAspect="1" noChangeArrowheads="1"/>
+          </p:cNvPicPr>
+          <p:nvPr/>
+        </p:nvPicPr>
+        <p:blipFill>
+          <a:blip r:embed="rId2" cstate="print">
+            <a:extLst>
+              <a:ext uri="{28A0092B-C50C-407E-A947-70E740481C1C}">
+                <a14:useLocalDpi xmlns:a14="http://schemas.microsoft.com/office/drawing/2010/main" val="0"/>
+              </a:ext>
+            </a:extLst>
+          </a:blip>
+          <a:srcRect/>
+          <a:stretch>
+            <a:fillRect/>
+          </a:stretch>
+        </p:blipFill>
+        <p:spPr bwMode="auto">
+          <a:xfrm>
+            <a:off x="804463" y="626202"/>
+            <a:ext cx="1128060" cy="751305"/>
+          </a:xfrm>
+          <a:prstGeom prst="rect">
+            <a:avLst/>
+          </a:prstGeom>
+          <a:noFill/>
+          <a:ln>
+            <a:noFill/>
+          </a:ln>
+          <a:extLst>
+            <a:ext uri="{909E8E84-426E-40DD-AFC4-6F175D3DCCD1}">
+              <a14:hiddenFill xmlns:a14="http://schemas.microsoft.com/office/drawing/2010/main">
+                <a:solidFill>
+                  <a:schemeClr val="accent1"/>
+                </a:solidFill>
+              </a14:hiddenFill>
+            </a:ext>
+            <a:ext uri="{91240B29-F687-4F45-9708-019B960494DF}">
+              <a14:hiddenLine xmlns:a14="http://schemas.microsoft.com/office/drawing/2010/main" w="9525">
+                <a:solidFill>
+                  <a:schemeClr val="tx1"/>
+                </a:solidFill>
+                <a:miter lim="800000"/>
+                <a:headEnd/>
+                <a:tailEnd/>
+              </a14:hiddenLine>
+            </a:ext>
+          </a:extLst>
+        </p:spPr>
+      </p:pic>
+      <p:sp>
+        <p:nvSpPr>
+          <p:cNvPr id="20" name="TextBox 19"/>
+          <p:cNvSpPr txBox="1"/>
+          <p:nvPr/>
+        </p:nvSpPr>
+        <p:spPr>
+          <a:xfrm>
+            <a:off x="6957858" y="2937399"/>
+            <a:ext cx="4004733" cy="1107996"/>
+          </a:xfrm>
+          <a:prstGeom prst="rect">
+            <a:avLst/>
+          </a:prstGeom>
+          <a:noFill/>
+        </p:spPr>
+        <p:txBody>
+          <a:bodyPr wrap="square" rtlCol="0">
+            <a:spAutoFit/>
+          </a:bodyPr>
+          <a:lstStyle/>
+          <a:p>
+            <a:r>
+              <a:rPr lang="ko-KR" altLang="en-US" dirty="0" smtClean="0"/>
+              <a:t>로그아웃</a:t>
+            </a:r>
+            <a:endParaRPr lang="en-US" altLang="ko-KR" sz="1200" dirty="0"/>
+          </a:p>
+          <a:p>
+            <a:pPr marL="171450" indent="-171450">
+              <a:buFont typeface="Arial" panose="020B0604020202020204" pitchFamily="34" charset="0"/>
+              <a:buChar char="•"/>
+            </a:pPr>
+            <a:r>
+              <a:rPr lang="ko-KR" altLang="en-US" sz="1200" dirty="0" err="1" smtClean="0"/>
+              <a:t>프래그먼트</a:t>
+            </a:r>
+            <a:r>
+              <a:rPr lang="ko-KR" altLang="en-US" sz="1200" dirty="0" smtClean="0"/>
+              <a:t> 내에서 </a:t>
+            </a:r>
+            <a:r>
+              <a:rPr lang="en-US" altLang="ko-KR" sz="1200" dirty="0" err="1" smtClean="0"/>
+              <a:t>getActivity</a:t>
+            </a:r>
+            <a:r>
+              <a:rPr lang="en-US" altLang="ko-KR" sz="1200" dirty="0" smtClean="0"/>
+              <a:t>() </a:t>
+            </a:r>
+            <a:r>
+              <a:rPr lang="ko-KR" altLang="en-US" sz="1200" dirty="0" err="1" smtClean="0"/>
+              <a:t>메서드를</a:t>
+            </a:r>
+            <a:r>
+              <a:rPr lang="ko-KR" altLang="en-US" sz="1200" dirty="0" smtClean="0"/>
+              <a:t> 통해서 </a:t>
+            </a:r>
+            <a:r>
+              <a:rPr lang="en-US" altLang="ko-KR" sz="1200" dirty="0" smtClean="0"/>
+              <a:t>activity context</a:t>
+            </a:r>
+            <a:r>
+              <a:rPr lang="ko-KR" altLang="en-US" sz="1200" dirty="0" smtClean="0"/>
+              <a:t>를 받아 </a:t>
+            </a:r>
+            <a:r>
+              <a:rPr lang="ko-KR" altLang="en-US" sz="1200" dirty="0" err="1" smtClean="0"/>
+              <a:t>인텐트에</a:t>
+            </a:r>
+            <a:r>
+              <a:rPr lang="ko-KR" altLang="en-US" sz="1200" dirty="0" smtClean="0"/>
+              <a:t> 유저 정보를 </a:t>
+            </a:r>
+            <a:r>
+              <a:rPr lang="ko-KR" altLang="en-US" sz="1200" dirty="0" err="1" smtClean="0"/>
+              <a:t>빈공간으로</a:t>
+            </a:r>
+            <a:r>
+              <a:rPr lang="ko-KR" altLang="en-US" sz="1200" dirty="0" smtClean="0"/>
+              <a:t> 만든 후 메인 페이지로 이동시키면서 </a:t>
+            </a:r>
+            <a:r>
+              <a:rPr lang="ko-KR" altLang="en-US" sz="1200" dirty="0" err="1" smtClean="0"/>
+              <a:t>마이페이지</a:t>
+            </a:r>
+            <a:r>
+              <a:rPr lang="ko-KR" altLang="en-US" sz="1200" dirty="0" smtClean="0"/>
+              <a:t> </a:t>
+            </a:r>
+            <a:r>
+              <a:rPr lang="ko-KR" altLang="en-US" sz="1200" dirty="0" err="1" smtClean="0"/>
+              <a:t>액티비티</a:t>
+            </a:r>
+            <a:r>
+              <a:rPr lang="ko-KR" altLang="en-US" sz="1200" dirty="0" smtClean="0"/>
+              <a:t> 종료</a:t>
+            </a:r>
+            <a:endParaRPr lang="en-US" altLang="ko-KR" sz="1200" dirty="0" smtClean="0"/>
+          </a:p>
+        </p:txBody>
+      </p:sp>
+      <p:sp>
+        <p:nvSpPr>
+          <p:cNvPr id="16" name="TextBox 15"/>
+          <p:cNvSpPr txBox="1"/>
+          <p:nvPr/>
+        </p:nvSpPr>
+        <p:spPr>
+          <a:xfrm>
+            <a:off x="6957859" y="1350055"/>
+            <a:ext cx="4004733" cy="1477328"/>
+          </a:xfrm>
+          <a:prstGeom prst="rect">
+            <a:avLst/>
+          </a:prstGeom>
+          <a:noFill/>
+        </p:spPr>
+        <p:txBody>
+          <a:bodyPr wrap="square" rtlCol="0">
+            <a:spAutoFit/>
+          </a:bodyPr>
+          <a:lstStyle/>
+          <a:p>
+            <a:r>
+              <a:rPr lang="ko-KR" altLang="en-US" dirty="0" smtClean="0"/>
+              <a:t>내 정보</a:t>
+            </a:r>
+            <a:endParaRPr lang="en-US" altLang="ko-KR" dirty="0" smtClean="0"/>
+          </a:p>
+          <a:p>
+            <a:pPr marL="285750" indent="-285750">
+              <a:buFont typeface="Arial" panose="020B0604020202020204" pitchFamily="34" charset="0"/>
+              <a:buChar char="•"/>
+            </a:pPr>
+            <a:endParaRPr lang="en-US" altLang="ko-KR" sz="1200" dirty="0"/>
+          </a:p>
+          <a:p>
+            <a:pPr marL="171450" indent="-171450">
+              <a:buFont typeface="Arial" panose="020B0604020202020204" pitchFamily="34" charset="0"/>
+              <a:buChar char="•"/>
+            </a:pPr>
+            <a:r>
+              <a:rPr lang="ko-KR" altLang="en-US" sz="1200" dirty="0" err="1" smtClean="0"/>
+              <a:t>인텐트에</a:t>
+            </a:r>
+            <a:r>
+              <a:rPr lang="ko-KR" altLang="en-US" sz="1200" dirty="0" smtClean="0"/>
+              <a:t> 저장된 유저정보를 </a:t>
+            </a:r>
+            <a:r>
+              <a:rPr lang="en-US" altLang="ko-KR" sz="1200" dirty="0" smtClean="0"/>
+              <a:t>Bundle </a:t>
+            </a:r>
+            <a:r>
+              <a:rPr lang="ko-KR" altLang="en-US" sz="1200" dirty="0" smtClean="0"/>
+              <a:t>객체에 담아 </a:t>
+            </a:r>
+            <a:r>
+              <a:rPr lang="en-US" altLang="ko-KR" sz="1200" dirty="0" smtClean="0"/>
+              <a:t>Arguments</a:t>
+            </a:r>
+            <a:r>
+              <a:rPr lang="ko-KR" altLang="en-US" sz="1200" dirty="0" smtClean="0"/>
+              <a:t>에 저장</a:t>
+            </a:r>
+            <a:endParaRPr lang="en-US" altLang="ko-KR" sz="1200" dirty="0" smtClean="0"/>
+          </a:p>
+          <a:p>
+            <a:pPr marL="171450" indent="-171450">
+              <a:buFont typeface="Arial" panose="020B0604020202020204" pitchFamily="34" charset="0"/>
+              <a:buChar char="•"/>
+            </a:pPr>
+            <a:r>
+              <a:rPr lang="ko-KR" altLang="en-US" sz="1200" dirty="0" err="1" smtClean="0"/>
+              <a:t>프래그먼트에서</a:t>
+            </a:r>
+            <a:r>
+              <a:rPr lang="ko-KR" altLang="en-US" sz="1200" dirty="0" smtClean="0"/>
+              <a:t> </a:t>
+            </a:r>
+            <a:r>
+              <a:rPr lang="en-US" altLang="ko-KR" sz="1200" dirty="0" err="1" smtClean="0"/>
+              <a:t>getArguments</a:t>
+            </a:r>
+            <a:r>
+              <a:rPr lang="ko-KR" altLang="en-US" sz="1200" dirty="0" err="1" smtClean="0"/>
+              <a:t>메서드를</a:t>
+            </a:r>
+            <a:r>
+              <a:rPr lang="ko-KR" altLang="en-US" sz="1200" dirty="0" smtClean="0"/>
+              <a:t> 통해서 </a:t>
+            </a:r>
+            <a:r>
+              <a:rPr lang="ko-KR" altLang="en-US" sz="1200" dirty="0" err="1" smtClean="0"/>
+              <a:t>번들객체를</a:t>
+            </a:r>
+            <a:r>
+              <a:rPr lang="ko-KR" altLang="en-US" sz="1200" dirty="0" smtClean="0"/>
+              <a:t> </a:t>
+            </a:r>
+            <a:r>
+              <a:rPr lang="ko-KR" altLang="en-US" sz="1200" dirty="0" err="1" smtClean="0"/>
+              <a:t>반환받고</a:t>
+            </a:r>
+            <a:r>
+              <a:rPr lang="ko-KR" altLang="en-US" sz="1200" dirty="0" smtClean="0"/>
+              <a:t> 유저 정보를 이용</a:t>
+            </a:r>
+            <a:endParaRPr lang="en-US" altLang="ko-KR" sz="1200" dirty="0" smtClean="0"/>
+          </a:p>
+          <a:p>
+            <a:pPr marL="171450" indent="-171450">
+              <a:buFont typeface="Arial" panose="020B0604020202020204" pitchFamily="34" charset="0"/>
+              <a:buChar char="•"/>
+            </a:pPr>
+            <a:endParaRPr lang="ko-KR" altLang="en-US" sz="1200" dirty="0"/>
+          </a:p>
+        </p:txBody>
+      </p:sp>
+      <p:pic>
+        <p:nvPicPr>
+          <p:cNvPr id="4" name="그림 3"/>
+          <p:cNvPicPr>
+            <a:picLocks noChangeAspect="1"/>
+          </p:cNvPicPr>
+          <p:nvPr/>
+        </p:nvPicPr>
+        <p:blipFill>
+          <a:blip r:embed="rId3">
+            <a:extLst>
+              <a:ext uri="{28A0092B-C50C-407E-A947-70E740481C1C}">
+                <a14:useLocalDpi xmlns:a14="http://schemas.microsoft.com/office/drawing/2010/main" val="0"/>
+              </a:ext>
+            </a:extLst>
+          </a:blip>
+          <a:stretch>
+            <a:fillRect/>
+          </a:stretch>
+        </p:blipFill>
+        <p:spPr>
+          <a:xfrm>
+            <a:off x="488229" y="1377507"/>
+            <a:ext cx="2766604" cy="4933658"/>
+          </a:xfrm>
+          <a:prstGeom prst="rect">
+            <a:avLst/>
+          </a:prstGeom>
+        </p:spPr>
+      </p:pic>
+      <p:pic>
+        <p:nvPicPr>
+          <p:cNvPr id="12" name="그림 11"/>
+          <p:cNvPicPr>
+            <a:picLocks noChangeAspect="1"/>
+          </p:cNvPicPr>
+          <p:nvPr/>
+        </p:nvPicPr>
+        <p:blipFill>
+          <a:blip r:embed="rId4">
+            <a:extLst>
+              <a:ext uri="{28A0092B-C50C-407E-A947-70E740481C1C}">
+                <a14:useLocalDpi xmlns:a14="http://schemas.microsoft.com/office/drawing/2010/main" val="0"/>
+              </a:ext>
+            </a:extLst>
+          </a:blip>
+          <a:stretch>
+            <a:fillRect/>
+          </a:stretch>
+        </p:blipFill>
+        <p:spPr>
+          <a:xfrm>
+            <a:off x="3374688" y="1377507"/>
+            <a:ext cx="2781439" cy="4933658"/>
+          </a:xfrm>
+          <a:prstGeom prst="rect">
+            <a:avLst/>
+          </a:prstGeom>
+        </p:spPr>
+      </p:pic>
+      <p:sp>
+        <p:nvSpPr>
+          <p:cNvPr id="17" name="TextBox 16"/>
+          <p:cNvSpPr txBox="1"/>
+          <p:nvPr/>
+        </p:nvSpPr>
+        <p:spPr>
+          <a:xfrm>
+            <a:off x="6957858" y="4261383"/>
+            <a:ext cx="4004733" cy="738664"/>
+          </a:xfrm>
+          <a:prstGeom prst="rect">
+            <a:avLst/>
+          </a:prstGeom>
+          <a:noFill/>
+        </p:spPr>
+        <p:txBody>
+          <a:bodyPr wrap="square" rtlCol="0">
+            <a:spAutoFit/>
+          </a:bodyPr>
+          <a:lstStyle/>
+          <a:p>
+            <a:r>
+              <a:rPr lang="ko-KR" altLang="en-US" dirty="0" smtClean="0"/>
+              <a:t>계좌정보</a:t>
+            </a:r>
+            <a:endParaRPr lang="en-US" altLang="ko-KR" sz="1200" dirty="0"/>
+          </a:p>
+          <a:p>
+            <a:pPr marL="171450" indent="-171450">
+              <a:buFont typeface="Arial" panose="020B0604020202020204" pitchFamily="34" charset="0"/>
+              <a:buChar char="•"/>
+            </a:pPr>
+            <a:r>
+              <a:rPr lang="ko-KR" altLang="en-US" sz="1200" dirty="0" err="1" smtClean="0"/>
+              <a:t>액티비티에</a:t>
+            </a:r>
+            <a:r>
+              <a:rPr lang="ko-KR" altLang="en-US" sz="1200" dirty="0" smtClean="0"/>
+              <a:t> 저장된 유저 정보를 사용하여 </a:t>
+            </a:r>
+            <a:r>
+              <a:rPr lang="en-US" altLang="ko-KR" sz="1200" dirty="0" smtClean="0"/>
+              <a:t>Volley</a:t>
+            </a:r>
+            <a:r>
+              <a:rPr lang="ko-KR" altLang="en-US" sz="1200" dirty="0" smtClean="0"/>
+              <a:t>를 사용하여 서버에서 계좌정보를 받아옴</a:t>
+            </a:r>
+            <a:endParaRPr lang="en-US" altLang="ko-KR" sz="1200" dirty="0" smtClean="0"/>
+          </a:p>
+        </p:txBody>
+      </p:sp>
+    </p:spTree>
+    <p:extLst>
+      <p:ext uri="{BB962C8B-B14F-4D97-AF65-F5344CB8AC3E}">
+        <p14:creationId xmlns:p14="http://schemas.microsoft.com/office/powerpoint/2010/main" val="131273034"/>
+      </p:ext>
+    </p:extLst>
+  </p:cSld>
+  <p:clrMapOvr>
+    <a:masterClrMapping/>
+  </p:clrMapOvr>
+  <p:timing>
+    <p:tnLst>
+      <p:par>
+        <p:cTn id="1" dur="indefinite" restart="never" nodeType="tmRoot"/>
+      </p:par>
+    </p:tnLst>
+  </p:timing>
+</p:sld>
+</file>
+
+<file path=ppt/slides/slide12.xml><?xml version="1.0" encoding="utf-8"?>
+<p:sld xmlns:a="http://schemas.openxmlformats.org/drawingml/2006/main" xmlns:r="http://schemas.openxmlformats.org/officeDocument/2006/relationships" xmlns:p="http://schemas.openxmlformats.org/presentationml/2006/main">
+  <p:cSld>
+    <p:spTree>
+      <p:nvGrpSpPr>
+        <p:cNvPr id="1" name=""/>
+        <p:cNvGrpSpPr/>
+        <p:nvPr/>
+      </p:nvGrpSpPr>
+      <p:grpSpPr>
+        <a:xfrm>
+          <a:off x="0" y="0"/>
+          <a:ext cx="0" cy="0"/>
+          <a:chOff x="0" y="0"/>
+          <a:chExt cx="0" cy="0"/>
+        </a:xfrm>
+      </p:grpSpPr>
+      <p:sp>
+        <p:nvSpPr>
+          <p:cNvPr id="6" name="양쪽 모서리가 둥근 사각형 5"/>
+          <p:cNvSpPr/>
+          <p:nvPr/>
+        </p:nvSpPr>
+        <p:spPr>
+          <a:xfrm>
+            <a:off x="143339" y="548680"/>
+            <a:ext cx="11905323" cy="6144683"/>
+          </a:xfrm>
+          <a:prstGeom prst="round2SameRect">
+            <a:avLst>
+              <a:gd name="adj1" fmla="val 0"/>
+              <a:gd name="adj2" fmla="val 2405"/>
+            </a:avLst>
+          </a:prstGeom>
+          <a:solidFill>
+            <a:schemeClr val="bg1"/>
+          </a:solidFill>
+          <a:ln>
+            <a:noFill/>
+          </a:ln>
+          <a:effectLst>
+            <a:outerShdw dist="254000" dir="5400000" sx="97000" sy="97000" algn="t" rotWithShape="0">
+              <a:prstClr val="black">
+                <a:alpha val="40000"/>
+              </a:prstClr>
+            </a:outerShdw>
+          </a:effectLst>
+        </p:spPr>
+        <p:style>
+          <a:lnRef idx="2">
+            <a:schemeClr val="accent1">
+              <a:shade val="50000"/>
+            </a:schemeClr>
+          </a:lnRef>
+          <a:fillRef idx="1">
+            <a:schemeClr val="accent1"/>
+          </a:fillRef>
+          <a:effectRef idx="0">
+            <a:schemeClr val="accent1"/>
+          </a:effectRef>
+          <a:fontRef idx="minor">
+            <a:schemeClr val="lt1"/>
+          </a:fontRef>
+        </p:style>
+        <p:txBody>
+          <a:bodyPr lIns="91440" tIns="45720" rIns="91440" bIns="45720" rtlCol="0" anchor="ctr"/>
+          <a:lstStyle/>
+          <a:p>
+            <a:pPr algn="ctr"/>
+            <a:endParaRPr lang="ko-KR" altLang="en-US" sz="2400">
+              <a:solidFill>
+                <a:prstClr val="white"/>
+              </a:solidFill>
+            </a:endParaRPr>
+          </a:p>
+        </p:txBody>
+      </p:sp>
+      <p:sp>
+        <p:nvSpPr>
+          <p:cNvPr id="5" name="양쪽 모서리가 둥근 사각형 4"/>
+          <p:cNvSpPr/>
+          <p:nvPr/>
+        </p:nvSpPr>
+        <p:spPr>
+          <a:xfrm>
+            <a:off x="143339" y="243880"/>
+            <a:ext cx="11905323" cy="304800"/>
+          </a:xfrm>
+          <a:prstGeom prst="round2SameRect">
+            <a:avLst>
+              <a:gd name="adj1" fmla="val 44667"/>
+              <a:gd name="adj2" fmla="val 0"/>
+            </a:avLst>
+          </a:prstGeom>
+          <a:solidFill>
+            <a:srgbClr val="411F42"/>
+          </a:solidFill>
+          <a:ln>
+            <a:noFill/>
+          </a:ln>
+          <a:effectLst>
+            <a:outerShdw dist="76200" dir="16200000" sx="97000" sy="97000" rotWithShape="0">
+              <a:prstClr val="black">
+                <a:alpha val="40000"/>
+              </a:prstClr>
+            </a:outerShdw>
+          </a:effectLst>
+        </p:spPr>
+        <p:style>
+          <a:lnRef idx="2">
+            <a:schemeClr val="accent1">
+              <a:shade val="50000"/>
+            </a:schemeClr>
+          </a:lnRef>
+          <a:fillRef idx="1">
+            <a:schemeClr val="accent1"/>
+          </a:fillRef>
+          <a:effectRef idx="0">
+            <a:schemeClr val="accent1"/>
+          </a:effectRef>
+          <a:fontRef idx="minor">
+            <a:schemeClr val="lt1"/>
+          </a:fontRef>
+        </p:style>
+        <p:txBody>
+          <a:bodyPr lIns="91440" tIns="45720" rIns="91440" bIns="45720" rtlCol="0" anchor="ctr"/>
+          <a:lstStyle/>
+          <a:p>
+            <a:pPr algn="ctr"/>
+            <a:endParaRPr lang="ko-KR" altLang="en-US" sz="2400">
+              <a:solidFill>
+                <a:prstClr val="white"/>
+              </a:solidFill>
+            </a:endParaRPr>
+          </a:p>
+        </p:txBody>
+      </p:sp>
+      <p:sp>
+        <p:nvSpPr>
+          <p:cNvPr id="7" name="직사각형 6"/>
+          <p:cNvSpPr/>
+          <p:nvPr/>
+        </p:nvSpPr>
+        <p:spPr>
+          <a:xfrm>
+            <a:off x="935120" y="366664"/>
+            <a:ext cx="10613801" cy="72000"/>
+          </a:xfrm>
+          <a:prstGeom prst="rect">
+            <a:avLst/>
+          </a:prstGeom>
+          <a:solidFill>
+            <a:schemeClr val="bg1"/>
+          </a:solidFill>
+          <a:ln>
+            <a:noFill/>
+          </a:ln>
+        </p:spPr>
+        <p:style>
+          <a:lnRef idx="2">
+            <a:schemeClr val="accent1">
+              <a:shade val="50000"/>
+            </a:schemeClr>
+          </a:lnRef>
+          <a:fillRef idx="1">
+            <a:schemeClr val="accent1"/>
+          </a:fillRef>
+          <a:effectRef idx="0">
+            <a:schemeClr val="accent1"/>
+          </a:effectRef>
+          <a:fontRef idx="minor">
+            <a:schemeClr val="lt1"/>
+          </a:fontRef>
+        </p:style>
+        <p:txBody>
+          <a:bodyPr lIns="91440" tIns="45720" rIns="91440" bIns="45720" rtlCol="0" anchor="ctr"/>
+          <a:lstStyle/>
+          <a:p>
+            <a:pPr algn="ctr"/>
+            <a:endParaRPr lang="ko-KR" altLang="en-US" sz="2400">
+              <a:solidFill>
+                <a:prstClr val="white"/>
+              </a:solidFill>
+            </a:endParaRPr>
+          </a:p>
+        </p:txBody>
+      </p:sp>
+      <p:sp>
+        <p:nvSpPr>
+          <p:cNvPr id="8" name="타원 7"/>
+          <p:cNvSpPr/>
+          <p:nvPr/>
+        </p:nvSpPr>
+        <p:spPr>
+          <a:xfrm>
+            <a:off x="576949" y="366664"/>
+            <a:ext cx="75276" cy="72000"/>
+          </a:xfrm>
+          <a:prstGeom prst="ellipse">
+            <a:avLst/>
+          </a:prstGeom>
+          <a:solidFill>
+            <a:srgbClr val="FF6189"/>
+          </a:solidFill>
+          <a:ln>
+            <a:noFill/>
+          </a:ln>
+        </p:spPr>
+        <p:style>
+          <a:lnRef idx="2">
+            <a:schemeClr val="accent1">
+              <a:shade val="50000"/>
+            </a:schemeClr>
+          </a:lnRef>
+          <a:fillRef idx="1">
+            <a:schemeClr val="accent1"/>
+          </a:fillRef>
+          <a:effectRef idx="0">
+            <a:schemeClr val="accent1"/>
+          </a:effectRef>
+          <a:fontRef idx="minor">
+            <a:schemeClr val="lt1"/>
+          </a:fontRef>
+        </p:style>
+        <p:txBody>
+          <a:bodyPr lIns="91440" tIns="45720" rIns="91440" bIns="45720" rtlCol="0" anchor="ctr"/>
+          <a:lstStyle/>
+          <a:p>
+            <a:pPr algn="ctr"/>
+            <a:endParaRPr lang="ko-KR" altLang="en-US" sz="2400">
+              <a:solidFill>
+                <a:prstClr val="white"/>
+              </a:solidFill>
+            </a:endParaRPr>
+          </a:p>
+        </p:txBody>
+      </p:sp>
+      <p:sp>
+        <p:nvSpPr>
+          <p:cNvPr id="9" name="타원 8"/>
+          <p:cNvSpPr/>
+          <p:nvPr/>
+        </p:nvSpPr>
+        <p:spPr>
+          <a:xfrm>
+            <a:off x="766826" y="366664"/>
+            <a:ext cx="75276" cy="72000"/>
+          </a:xfrm>
+          <a:prstGeom prst="ellipse">
+            <a:avLst/>
+          </a:prstGeom>
+          <a:solidFill>
+            <a:srgbClr val="00B0F0"/>
+          </a:solidFill>
+          <a:ln>
+            <a:noFill/>
+          </a:ln>
+        </p:spPr>
+        <p:style>
+          <a:lnRef idx="2">
+            <a:schemeClr val="accent1">
+              <a:shade val="50000"/>
+            </a:schemeClr>
+          </a:lnRef>
+          <a:fillRef idx="1">
+            <a:schemeClr val="accent1"/>
+          </a:fillRef>
+          <a:effectRef idx="0">
+            <a:schemeClr val="accent1"/>
+          </a:effectRef>
+          <a:fontRef idx="minor">
+            <a:schemeClr val="lt1"/>
+          </a:fontRef>
+        </p:style>
+        <p:txBody>
+          <a:bodyPr lIns="91440" tIns="45720" rIns="91440" bIns="45720" rtlCol="0" anchor="ctr"/>
+          <a:lstStyle/>
+          <a:p>
+            <a:pPr algn="ctr"/>
+            <a:endParaRPr lang="ko-KR" altLang="en-US" sz="2400">
+              <a:solidFill>
+                <a:prstClr val="white"/>
+              </a:solidFill>
+            </a:endParaRPr>
+          </a:p>
+        </p:txBody>
+      </p:sp>
+      <p:sp>
+        <p:nvSpPr>
+          <p:cNvPr id="10" name="타원 9"/>
+          <p:cNvSpPr/>
+          <p:nvPr/>
+        </p:nvSpPr>
+        <p:spPr>
+          <a:xfrm>
+            <a:off x="956703" y="366664"/>
+            <a:ext cx="75276" cy="72000"/>
+          </a:xfrm>
+          <a:prstGeom prst="ellipse">
+            <a:avLst/>
+          </a:prstGeom>
+          <a:solidFill>
+            <a:schemeClr val="accent4"/>
+          </a:solidFill>
+          <a:ln>
+            <a:noFill/>
+          </a:ln>
+        </p:spPr>
+        <p:style>
+          <a:lnRef idx="2">
+            <a:schemeClr val="accent1">
+              <a:shade val="50000"/>
+            </a:schemeClr>
+          </a:lnRef>
+          <a:fillRef idx="1">
+            <a:schemeClr val="accent1"/>
+          </a:fillRef>
+          <a:effectRef idx="0">
+            <a:schemeClr val="accent1"/>
+          </a:effectRef>
+          <a:fontRef idx="minor">
+            <a:schemeClr val="lt1"/>
+          </a:fontRef>
+        </p:style>
+        <p:txBody>
+          <a:bodyPr lIns="91440" tIns="45720" rIns="91440" bIns="45720" rtlCol="0" anchor="ctr"/>
+          <a:lstStyle/>
+          <a:p>
+            <a:pPr algn="ctr"/>
+            <a:endParaRPr lang="ko-KR" altLang="en-US" sz="2400">
+              <a:solidFill>
+                <a:prstClr val="white"/>
+              </a:solidFill>
+            </a:endParaRPr>
+          </a:p>
+        </p:txBody>
+      </p:sp>
+      <p:sp>
+        <p:nvSpPr>
+          <p:cNvPr id="11" name="직사각형 10"/>
+          <p:cNvSpPr/>
+          <p:nvPr/>
+        </p:nvSpPr>
+        <p:spPr>
+          <a:xfrm>
+            <a:off x="1871531" y="626202"/>
+            <a:ext cx="7532965" cy="646331"/>
+          </a:xfrm>
+          <a:prstGeom prst="rect">
+            <a:avLst/>
+          </a:prstGeom>
+        </p:spPr>
+        <p:txBody>
+          <a:bodyPr wrap="square" lIns="91440" tIns="45720" rIns="91440" bIns="45720">
+            <a:spAutoFit/>
+          </a:bodyPr>
+          <a:lstStyle/>
+          <a:p>
+            <a:pPr>
+              <a:lnSpc>
+                <a:spcPct val="150000"/>
+              </a:lnSpc>
+            </a:pPr>
+            <a:r>
+              <a:rPr lang="en-US" altLang="ko-KR" sz="2400" b="1" dirty="0">
+                <a:solidFill>
+                  <a:schemeClr val="tx1">
+                    <a:lumMod val="75000"/>
+                    <a:lumOff val="25000"/>
+                  </a:schemeClr>
+                </a:solidFill>
+                <a:latin typeface="+mj-ea"/>
+                <a:ea typeface="+mj-ea"/>
+              </a:rPr>
+              <a:t>[ </a:t>
+            </a:r>
+            <a:r>
+              <a:rPr lang="ko-KR" altLang="en-US" sz="2400" b="1" dirty="0">
+                <a:solidFill>
+                  <a:schemeClr val="tx1">
+                    <a:lumMod val="75000"/>
+                    <a:lumOff val="25000"/>
+                  </a:schemeClr>
+                </a:solidFill>
+                <a:latin typeface="+mj-ea"/>
+                <a:ea typeface="+mj-ea"/>
+              </a:rPr>
+              <a:t>화면구현 </a:t>
+            </a:r>
+            <a:r>
+              <a:rPr lang="en-US" altLang="ko-KR" sz="2400" b="1" dirty="0">
+                <a:solidFill>
+                  <a:schemeClr val="tx1">
+                    <a:lumMod val="75000"/>
+                    <a:lumOff val="25000"/>
+                  </a:schemeClr>
+                </a:solidFill>
+                <a:latin typeface="+mj-ea"/>
+                <a:ea typeface="+mj-ea"/>
+              </a:rPr>
+              <a:t>] </a:t>
+            </a:r>
+            <a:r>
+              <a:rPr lang="ko-KR" altLang="en-US" sz="2400" b="1" dirty="0" err="1" smtClean="0">
+                <a:solidFill>
+                  <a:schemeClr val="tx1">
+                    <a:lumMod val="75000"/>
+                    <a:lumOff val="25000"/>
+                  </a:schemeClr>
+                </a:solidFill>
+                <a:latin typeface="+mj-ea"/>
+                <a:ea typeface="+mj-ea"/>
+              </a:rPr>
+              <a:t>마이페이지</a:t>
+            </a:r>
+            <a:r>
+              <a:rPr lang="ko-KR" altLang="en-US" sz="2400" b="1" dirty="0" smtClean="0">
+                <a:solidFill>
+                  <a:schemeClr val="tx1">
+                    <a:lumMod val="75000"/>
+                    <a:lumOff val="25000"/>
+                  </a:schemeClr>
+                </a:solidFill>
+                <a:latin typeface="+mj-ea"/>
+                <a:ea typeface="+mj-ea"/>
+              </a:rPr>
+              <a:t> </a:t>
+            </a:r>
+            <a:r>
+              <a:rPr lang="en-US" altLang="ko-KR" sz="2400" b="1" dirty="0">
+                <a:solidFill>
+                  <a:schemeClr val="tx1">
+                    <a:lumMod val="75000"/>
+                    <a:lumOff val="25000"/>
+                  </a:schemeClr>
+                </a:solidFill>
+                <a:latin typeface="+mj-ea"/>
+                <a:ea typeface="+mj-ea"/>
+              </a:rPr>
+              <a:t>- </a:t>
+            </a:r>
+            <a:r>
+              <a:rPr lang="ko-KR" altLang="en-US" sz="2400" b="1" dirty="0" smtClean="0">
+                <a:solidFill>
+                  <a:schemeClr val="tx1">
+                    <a:lumMod val="75000"/>
+                    <a:lumOff val="25000"/>
+                  </a:schemeClr>
+                </a:solidFill>
+                <a:latin typeface="+mj-ea"/>
+                <a:ea typeface="+mj-ea"/>
+              </a:rPr>
+              <a:t>사용자</a:t>
+            </a:r>
+            <a:endParaRPr lang="ko-KR" altLang="en-US" sz="2400" b="1" dirty="0">
+              <a:solidFill>
+                <a:schemeClr val="tx1">
+                  <a:lumMod val="75000"/>
+                  <a:lumOff val="25000"/>
+                </a:schemeClr>
+              </a:solidFill>
+              <a:latin typeface="+mj-ea"/>
+              <a:ea typeface="+mj-ea"/>
+            </a:endParaRPr>
+          </a:p>
+        </p:txBody>
+      </p:sp>
+      <p:pic>
+        <p:nvPicPr>
+          <p:cNvPr id="13" name="Picture 2"/>
+          <p:cNvPicPr>
+            <a:picLocks noChangeAspect="1" noChangeArrowheads="1"/>
+          </p:cNvPicPr>
+          <p:nvPr/>
+        </p:nvPicPr>
+        <p:blipFill>
+          <a:blip r:embed="rId2" cstate="print">
+            <a:extLst>
+              <a:ext uri="{28A0092B-C50C-407E-A947-70E740481C1C}">
+                <a14:useLocalDpi xmlns:a14="http://schemas.microsoft.com/office/drawing/2010/main" val="0"/>
+              </a:ext>
+            </a:extLst>
+          </a:blip>
+          <a:srcRect/>
+          <a:stretch>
+            <a:fillRect/>
+          </a:stretch>
+        </p:blipFill>
+        <p:spPr bwMode="auto">
+          <a:xfrm>
+            <a:off x="804463" y="626202"/>
+            <a:ext cx="1128060" cy="751305"/>
+          </a:xfrm>
+          <a:prstGeom prst="rect">
+            <a:avLst/>
+          </a:prstGeom>
+          <a:noFill/>
+          <a:ln>
+            <a:noFill/>
+          </a:ln>
+          <a:extLst>
+            <a:ext uri="{909E8E84-426E-40DD-AFC4-6F175D3DCCD1}">
+              <a14:hiddenFill xmlns:a14="http://schemas.microsoft.com/office/drawing/2010/main">
+                <a:solidFill>
+                  <a:schemeClr val="accent1"/>
+                </a:solidFill>
+              </a14:hiddenFill>
+            </a:ext>
+            <a:ext uri="{91240B29-F687-4F45-9708-019B960494DF}">
+              <a14:hiddenLine xmlns:a14="http://schemas.microsoft.com/office/drawing/2010/main" w="9525">
+                <a:solidFill>
+                  <a:schemeClr val="tx1"/>
+                </a:solidFill>
+                <a:miter lim="800000"/>
+                <a:headEnd/>
+                <a:tailEnd/>
+              </a14:hiddenLine>
+            </a:ext>
+          </a:extLst>
+        </p:spPr>
+      </p:pic>
+      <p:sp>
+        <p:nvSpPr>
+          <p:cNvPr id="16" name="TextBox 15"/>
+          <p:cNvSpPr txBox="1"/>
+          <p:nvPr/>
+        </p:nvSpPr>
+        <p:spPr>
+          <a:xfrm>
+            <a:off x="6957859" y="1350055"/>
+            <a:ext cx="4004733" cy="2215991"/>
+          </a:xfrm>
+          <a:prstGeom prst="rect">
+            <a:avLst/>
+          </a:prstGeom>
+          <a:noFill/>
+        </p:spPr>
+        <p:txBody>
+          <a:bodyPr wrap="square" rtlCol="0">
+            <a:spAutoFit/>
+          </a:bodyPr>
+          <a:lstStyle/>
+          <a:p>
+            <a:r>
+              <a:rPr lang="ko-KR" altLang="en-US" dirty="0" smtClean="0"/>
+              <a:t>관심 프로젝트 및 </a:t>
+            </a:r>
+            <a:r>
+              <a:rPr lang="ko-KR" altLang="en-US" dirty="0" err="1" smtClean="0"/>
+              <a:t>펀딩</a:t>
+            </a:r>
+            <a:r>
+              <a:rPr lang="ko-KR" altLang="en-US" dirty="0" smtClean="0"/>
+              <a:t> 내역</a:t>
+            </a:r>
+            <a:endParaRPr lang="en-US" altLang="ko-KR" dirty="0" smtClean="0"/>
+          </a:p>
+          <a:p>
+            <a:pPr marL="285750" indent="-285750">
+              <a:buFont typeface="Arial" panose="020B0604020202020204" pitchFamily="34" charset="0"/>
+              <a:buChar char="•"/>
+            </a:pPr>
+            <a:endParaRPr lang="en-US" altLang="ko-KR" sz="1200" dirty="0"/>
+          </a:p>
+          <a:p>
+            <a:pPr marL="171450" indent="-171450">
+              <a:buFont typeface="Arial" panose="020B0604020202020204" pitchFamily="34" charset="0"/>
+              <a:buChar char="•"/>
+            </a:pPr>
+            <a:r>
+              <a:rPr lang="ko-KR" altLang="en-US" sz="1200" dirty="0" smtClean="0"/>
+              <a:t>관심 프로젝트 </a:t>
+            </a:r>
+            <a:r>
+              <a:rPr lang="ko-KR" altLang="en-US" sz="1200" dirty="0" err="1" smtClean="0"/>
+              <a:t>프래그먼트로</a:t>
+            </a:r>
+            <a:r>
+              <a:rPr lang="ko-KR" altLang="en-US" sz="1200" dirty="0" smtClean="0"/>
+              <a:t> 이동 시 관심 등록한 프로젝트 정보를 </a:t>
+            </a:r>
+            <a:r>
+              <a:rPr lang="en-US" altLang="ko-KR" sz="1200" dirty="0" smtClean="0"/>
+              <a:t>Volley</a:t>
+            </a:r>
+            <a:r>
+              <a:rPr lang="ko-KR" altLang="en-US" sz="1200" dirty="0" smtClean="0"/>
+              <a:t>를 받아와서 리스트</a:t>
+            </a:r>
+            <a:endParaRPr lang="en-US" altLang="ko-KR" sz="1200" dirty="0" smtClean="0"/>
+          </a:p>
+          <a:p>
+            <a:pPr marL="171450" indent="-171450">
+              <a:buFont typeface="Arial" panose="020B0604020202020204" pitchFamily="34" charset="0"/>
+              <a:buChar char="•"/>
+            </a:pPr>
+            <a:r>
+              <a:rPr lang="ko-KR" altLang="en-US" sz="1200" dirty="0" smtClean="0"/>
+              <a:t>클릭 시 해당 프로젝트의 상세 정보 </a:t>
+            </a:r>
+            <a:r>
+              <a:rPr lang="ko-KR" altLang="en-US" sz="1200" dirty="0" err="1" smtClean="0"/>
+              <a:t>액티비티로</a:t>
+            </a:r>
+            <a:r>
+              <a:rPr lang="ko-KR" altLang="en-US" sz="1200" dirty="0" smtClean="0"/>
+              <a:t> 이동할 수 있게끔 구현 예정</a:t>
+            </a:r>
+            <a:endParaRPr lang="en-US" altLang="ko-KR" sz="1200" dirty="0" smtClean="0"/>
+          </a:p>
+          <a:p>
+            <a:pPr marL="171450" indent="-171450">
+              <a:buFont typeface="Arial" panose="020B0604020202020204" pitchFamily="34" charset="0"/>
+              <a:buChar char="•"/>
+            </a:pPr>
+            <a:r>
+              <a:rPr lang="ko-KR" altLang="en-US" sz="1200" dirty="0" err="1" smtClean="0"/>
+              <a:t>스와이프</a:t>
+            </a:r>
+            <a:r>
+              <a:rPr lang="ko-KR" altLang="en-US" sz="1200" dirty="0" smtClean="0"/>
+              <a:t> 액션을 통해서 관심 프로젝트를 삭제할 수 있도록 구현 예정</a:t>
+            </a:r>
+            <a:endParaRPr lang="en-US" altLang="ko-KR" sz="1200" dirty="0" smtClean="0"/>
+          </a:p>
+          <a:p>
+            <a:pPr marL="171450" indent="-171450">
+              <a:buFont typeface="Arial" panose="020B0604020202020204" pitchFamily="34" charset="0"/>
+              <a:buChar char="•"/>
+            </a:pPr>
+            <a:endParaRPr lang="en-US" altLang="ko-KR" sz="1200" dirty="0"/>
+          </a:p>
+          <a:p>
+            <a:pPr marL="171450" indent="-171450">
+              <a:buFont typeface="Arial" panose="020B0604020202020204" pitchFamily="34" charset="0"/>
+              <a:buChar char="•"/>
+            </a:pPr>
+            <a:r>
+              <a:rPr lang="ko-KR" altLang="en-US" sz="1200" dirty="0" err="1" smtClean="0"/>
+              <a:t>펀딩</a:t>
+            </a:r>
+            <a:r>
+              <a:rPr lang="ko-KR" altLang="en-US" sz="1200" dirty="0" smtClean="0"/>
+              <a:t> 내역 </a:t>
+            </a:r>
+            <a:r>
+              <a:rPr lang="ko-KR" altLang="en-US" sz="1200" dirty="0" err="1" smtClean="0"/>
+              <a:t>프래그먼트로</a:t>
+            </a:r>
+            <a:r>
+              <a:rPr lang="ko-KR" altLang="en-US" sz="1200" dirty="0" smtClean="0"/>
+              <a:t> 이동 시 </a:t>
+            </a:r>
+            <a:r>
+              <a:rPr lang="ko-KR" altLang="en-US" sz="1200" dirty="0" err="1" smtClean="0"/>
+              <a:t>펀딩한</a:t>
+            </a:r>
+            <a:r>
+              <a:rPr lang="ko-KR" altLang="en-US" sz="1200" dirty="0" smtClean="0"/>
+              <a:t> 프로젝트가 </a:t>
+            </a:r>
+            <a:r>
+              <a:rPr lang="ko-KR" altLang="en-US" sz="1200" dirty="0" err="1" smtClean="0"/>
+              <a:t>리스트됨</a:t>
+            </a:r>
+            <a:r>
+              <a:rPr lang="en-US" altLang="ko-KR" sz="1200" dirty="0" smtClean="0"/>
+              <a:t>.</a:t>
+            </a:r>
+            <a:endParaRPr lang="ko-KR" altLang="en-US" sz="1200" dirty="0"/>
+          </a:p>
+        </p:txBody>
+      </p:sp>
+      <p:pic>
+        <p:nvPicPr>
+          <p:cNvPr id="3" name="그림 2"/>
+          <p:cNvPicPr>
+            <a:picLocks noChangeAspect="1"/>
+          </p:cNvPicPr>
+          <p:nvPr/>
+        </p:nvPicPr>
+        <p:blipFill>
+          <a:blip r:embed="rId3">
+            <a:extLst>
+              <a:ext uri="{28A0092B-C50C-407E-A947-70E740481C1C}">
+                <a14:useLocalDpi xmlns:a14="http://schemas.microsoft.com/office/drawing/2010/main" val="0"/>
+              </a:ext>
+            </a:extLst>
+          </a:blip>
+          <a:stretch>
+            <a:fillRect/>
+          </a:stretch>
+        </p:blipFill>
+        <p:spPr>
+          <a:xfrm>
+            <a:off x="576949" y="1377507"/>
+            <a:ext cx="2853924" cy="5003539"/>
+          </a:xfrm>
+          <a:prstGeom prst="rect">
+            <a:avLst/>
+          </a:prstGeom>
+        </p:spPr>
+      </p:pic>
+      <p:pic>
+        <p:nvPicPr>
+          <p:cNvPr id="14" name="그림 13"/>
+          <p:cNvPicPr>
+            <a:picLocks noChangeAspect="1"/>
+          </p:cNvPicPr>
+          <p:nvPr/>
+        </p:nvPicPr>
+        <p:blipFill>
+          <a:blip r:embed="rId4">
+            <a:extLst>
+              <a:ext uri="{28A0092B-C50C-407E-A947-70E740481C1C}">
+                <a14:useLocalDpi xmlns:a14="http://schemas.microsoft.com/office/drawing/2010/main" val="0"/>
+              </a:ext>
+            </a:extLst>
+          </a:blip>
+          <a:stretch>
+            <a:fillRect/>
+          </a:stretch>
+        </p:blipFill>
+        <p:spPr>
+          <a:xfrm>
+            <a:off x="3568970" y="1377507"/>
+            <a:ext cx="2828087" cy="5003539"/>
+          </a:xfrm>
+          <a:prstGeom prst="rect">
+            <a:avLst/>
+          </a:prstGeom>
+        </p:spPr>
+      </p:pic>
+    </p:spTree>
+    <p:extLst>
+      <p:ext uri="{BB962C8B-B14F-4D97-AF65-F5344CB8AC3E}">
+        <p14:creationId xmlns:p14="http://schemas.microsoft.com/office/powerpoint/2010/main" val="2986297224"/>
       </p:ext>
     </p:extLst>
   </p:cSld>
@@ -5151,7 +6779,7 @@
                 <a:gridCol w="2688299">
                   <a:extLst>
                     <a:ext uri="{9D8B030D-6E8A-4147-A177-3AD203B41FA5}">
-                      <a16:colId xmlns:a16="http://schemas.microsoft.com/office/drawing/2014/main" xmlns="" val="20000"/>
+                      <a16:colId xmlns="" xmlns:a16="http://schemas.microsoft.com/office/drawing/2014/main" val="20000"/>
                     </a:ext>
                   </a:extLst>
                 </a:gridCol>
@@ -5183,7 +6811,7 @@
                 </a:tc>
                 <a:extLst>
                   <a:ext uri="{0D108BD9-81ED-4DB2-BD59-A6C34878D82A}">
-                    <a16:rowId xmlns:a16="http://schemas.microsoft.com/office/drawing/2014/main" xmlns="" val="10000"/>
+                    <a16:rowId xmlns="" xmlns:a16="http://schemas.microsoft.com/office/drawing/2014/main" val="10000"/>
                   </a:ext>
                 </a:extLst>
               </a:tr>
@@ -5211,7 +6839,7 @@
                 </a:tc>
                 <a:extLst>
                   <a:ext uri="{0D108BD9-81ED-4DB2-BD59-A6C34878D82A}">
-                    <a16:rowId xmlns:a16="http://schemas.microsoft.com/office/drawing/2014/main" xmlns="" val="10001"/>
+                    <a16:rowId xmlns="" xmlns:a16="http://schemas.microsoft.com/office/drawing/2014/main" val="10001"/>
                   </a:ext>
                 </a:extLst>
               </a:tr>
@@ -5291,14 +6919,14 @@
                 <a:gridCol w="280507">
                   <a:extLst>
                     <a:ext uri="{9D8B030D-6E8A-4147-A177-3AD203B41FA5}">
-                      <a16:colId xmlns:a16="http://schemas.microsoft.com/office/drawing/2014/main" xmlns="" val="20000"/>
+                      <a16:colId xmlns="" xmlns:a16="http://schemas.microsoft.com/office/drawing/2014/main" val="20000"/>
                     </a:ext>
                   </a:extLst>
                 </a:gridCol>
                 <a:gridCol w="2407792">
                   <a:extLst>
                     <a:ext uri="{9D8B030D-6E8A-4147-A177-3AD203B41FA5}">
-                      <a16:colId xmlns:a16="http://schemas.microsoft.com/office/drawing/2014/main" xmlns="" val="20001"/>
+                      <a16:colId xmlns="" xmlns:a16="http://schemas.microsoft.com/office/drawing/2014/main" val="20001"/>
                     </a:ext>
                   </a:extLst>
                 </a:gridCol>
@@ -5352,7 +6980,7 @@
                 </a:tc>
                 <a:extLst>
                   <a:ext uri="{0D108BD9-81ED-4DB2-BD59-A6C34878D82A}">
-                    <a16:rowId xmlns:a16="http://schemas.microsoft.com/office/drawing/2014/main" xmlns="" val="10000"/>
+                    <a16:rowId xmlns="" xmlns:a16="http://schemas.microsoft.com/office/drawing/2014/main" val="10000"/>
                   </a:ext>
                 </a:extLst>
               </a:tr>
@@ -5584,7 +7212,7 @@
                 </a:tc>
                 <a:extLst>
                   <a:ext uri="{0D108BD9-81ED-4DB2-BD59-A6C34878D82A}">
-                    <a16:rowId xmlns:a16="http://schemas.microsoft.com/office/drawing/2014/main" xmlns="" val="10001"/>
+                    <a16:rowId xmlns="" xmlns:a16="http://schemas.microsoft.com/office/drawing/2014/main" val="10001"/>
                   </a:ext>
                 </a:extLst>
               </a:tr>
@@ -5702,7 +7330,7 @@
                 </a:tc>
                 <a:extLst>
                   <a:ext uri="{0D108BD9-81ED-4DB2-BD59-A6C34878D82A}">
-                    <a16:rowId xmlns:a16="http://schemas.microsoft.com/office/drawing/2014/main" xmlns="" val="10002"/>
+                    <a16:rowId xmlns="" xmlns:a16="http://schemas.microsoft.com/office/drawing/2014/main" val="10002"/>
                   </a:ext>
                 </a:extLst>
               </a:tr>
@@ -5903,7 +7531,7 @@
                 </a:tc>
                 <a:extLst>
                   <a:ext uri="{0D108BD9-81ED-4DB2-BD59-A6C34878D82A}">
-                    <a16:rowId xmlns:a16="http://schemas.microsoft.com/office/drawing/2014/main" xmlns="" val="10003"/>
+                    <a16:rowId xmlns="" xmlns:a16="http://schemas.microsoft.com/office/drawing/2014/main" val="10003"/>
                   </a:ext>
                 </a:extLst>
               </a:tr>
@@ -5916,7 +7544,7 @@
           <p:cNvPr id="3" name="직사각형 2">
             <a:extLst>
               <a:ext uri="{FF2B5EF4-FFF2-40B4-BE49-F238E27FC236}">
-                <a16:creationId xmlns:a16="http://schemas.microsoft.com/office/drawing/2014/main" xmlns="" id="{7C9E9366-B86C-4147-AAEA-0E8C98D7DA95}"/>
+                <a16:creationId xmlns="" xmlns:a16="http://schemas.microsoft.com/office/drawing/2014/main" id="{7C9E9366-B86C-4147-AAEA-0E8C98D7DA95}"/>
               </a:ext>
             </a:extLst>
           </p:cNvPr>
@@ -5968,7 +7596,7 @@
           <p:cNvPr id="7" name="직사각형 6">
             <a:extLst>
               <a:ext uri="{FF2B5EF4-FFF2-40B4-BE49-F238E27FC236}">
-                <a16:creationId xmlns:a16="http://schemas.microsoft.com/office/drawing/2014/main" xmlns="" id="{DA06AE45-F21F-4390-88D7-43E648964D4B}"/>
+                <a16:creationId xmlns="" xmlns:a16="http://schemas.microsoft.com/office/drawing/2014/main" id="{DA06AE45-F21F-4390-88D7-43E648964D4B}"/>
               </a:ext>
             </a:extLst>
           </p:cNvPr>
@@ -6035,7 +7663,7 @@
           <p:cNvPr id="8" name="직사각형 7">
             <a:extLst>
               <a:ext uri="{FF2B5EF4-FFF2-40B4-BE49-F238E27FC236}">
-                <a16:creationId xmlns:a16="http://schemas.microsoft.com/office/drawing/2014/main" xmlns="" id="{5680EFB1-35EB-44AB-BD93-A7F972038C3F}"/>
+                <a16:creationId xmlns="" xmlns:a16="http://schemas.microsoft.com/office/drawing/2014/main" id="{5680EFB1-35EB-44AB-BD93-A7F972038C3F}"/>
               </a:ext>
             </a:extLst>
           </p:cNvPr>
@@ -6102,7 +7730,7 @@
           <p:cNvPr id="16" name="직사각형 15">
             <a:extLst>
               <a:ext uri="{FF2B5EF4-FFF2-40B4-BE49-F238E27FC236}">
-                <a16:creationId xmlns:a16="http://schemas.microsoft.com/office/drawing/2014/main" xmlns="" id="{029E53B2-7F53-473E-AF6D-1A4175F70FEE}"/>
+                <a16:creationId xmlns="" xmlns:a16="http://schemas.microsoft.com/office/drawing/2014/main" id="{029E53B2-7F53-473E-AF6D-1A4175F70FEE}"/>
               </a:ext>
             </a:extLst>
           </p:cNvPr>
@@ -6169,7 +7797,7 @@
           <p:cNvPr id="17" name="그림 16">
             <a:extLst>
               <a:ext uri="{FF2B5EF4-FFF2-40B4-BE49-F238E27FC236}">
-                <a16:creationId xmlns:a16="http://schemas.microsoft.com/office/drawing/2014/main" xmlns="" id="{1C9E681F-3A8E-484C-AD76-4BD556599AD7}"/>
+                <a16:creationId xmlns="" xmlns:a16="http://schemas.microsoft.com/office/drawing/2014/main" id="{1C9E681F-3A8E-484C-AD76-4BD556599AD7}"/>
               </a:ext>
             </a:extLst>
           </p:cNvPr>
@@ -7788,7 +9416,7 @@
                 <a:gridCol w="2688299">
                   <a:extLst>
                     <a:ext uri="{9D8B030D-6E8A-4147-A177-3AD203B41FA5}">
-                      <a16:colId xmlns:a16="http://schemas.microsoft.com/office/drawing/2014/main" xmlns="" val="20000"/>
+                      <a16:colId xmlns="" xmlns:a16="http://schemas.microsoft.com/office/drawing/2014/main" val="20000"/>
                     </a:ext>
                   </a:extLst>
                 </a:gridCol>
@@ -7820,7 +9448,7 @@
                 </a:tc>
                 <a:extLst>
                   <a:ext uri="{0D108BD9-81ED-4DB2-BD59-A6C34878D82A}">
-                    <a16:rowId xmlns:a16="http://schemas.microsoft.com/office/drawing/2014/main" xmlns="" val="10000"/>
+                    <a16:rowId xmlns="" xmlns:a16="http://schemas.microsoft.com/office/drawing/2014/main" val="10000"/>
                   </a:ext>
                 </a:extLst>
               </a:tr>
@@ -7848,7 +9476,7 @@
                 </a:tc>
                 <a:extLst>
                   <a:ext uri="{0D108BD9-81ED-4DB2-BD59-A6C34878D82A}">
-                    <a16:rowId xmlns:a16="http://schemas.microsoft.com/office/drawing/2014/main" xmlns="" val="10001"/>
+                    <a16:rowId xmlns="" xmlns:a16="http://schemas.microsoft.com/office/drawing/2014/main" val="10001"/>
                   </a:ext>
                 </a:extLst>
               </a:tr>
@@ -7928,14 +9556,14 @@
                 <a:gridCol w="280507">
                   <a:extLst>
                     <a:ext uri="{9D8B030D-6E8A-4147-A177-3AD203B41FA5}">
-                      <a16:colId xmlns:a16="http://schemas.microsoft.com/office/drawing/2014/main" xmlns="" val="20000"/>
+                      <a16:colId xmlns="" xmlns:a16="http://schemas.microsoft.com/office/drawing/2014/main" val="20000"/>
                     </a:ext>
                   </a:extLst>
                 </a:gridCol>
                 <a:gridCol w="2407792">
                   <a:extLst>
                     <a:ext uri="{9D8B030D-6E8A-4147-A177-3AD203B41FA5}">
-                      <a16:colId xmlns:a16="http://schemas.microsoft.com/office/drawing/2014/main" xmlns="" val="20001"/>
+                      <a16:colId xmlns="" xmlns:a16="http://schemas.microsoft.com/office/drawing/2014/main" val="20001"/>
                     </a:ext>
                   </a:extLst>
                 </a:gridCol>
@@ -7989,7 +9617,7 @@
                 </a:tc>
                 <a:extLst>
                   <a:ext uri="{0D108BD9-81ED-4DB2-BD59-A6C34878D82A}">
-                    <a16:rowId xmlns:a16="http://schemas.microsoft.com/office/drawing/2014/main" xmlns="" val="10000"/>
+                    <a16:rowId xmlns="" xmlns:a16="http://schemas.microsoft.com/office/drawing/2014/main" val="10000"/>
                   </a:ext>
                 </a:extLst>
               </a:tr>
@@ -8161,7 +9789,7 @@
                 </a:tc>
                 <a:extLst>
                   <a:ext uri="{0D108BD9-81ED-4DB2-BD59-A6C34878D82A}">
-                    <a16:rowId xmlns:a16="http://schemas.microsoft.com/office/drawing/2014/main" xmlns="" val="10001"/>
+                    <a16:rowId xmlns="" xmlns:a16="http://schemas.microsoft.com/office/drawing/2014/main" val="10001"/>
                   </a:ext>
                 </a:extLst>
               </a:tr>
@@ -8212,7 +9840,7 @@
                 </a:tc>
                 <a:extLst>
                   <a:ext uri="{0D108BD9-81ED-4DB2-BD59-A6C34878D82A}">
-                    <a16:rowId xmlns:a16="http://schemas.microsoft.com/office/drawing/2014/main" xmlns="" val="10002"/>
+                    <a16:rowId xmlns="" xmlns:a16="http://schemas.microsoft.com/office/drawing/2014/main" val="10002"/>
                   </a:ext>
                 </a:extLst>
               </a:tr>
@@ -8258,7 +9886,7 @@
                 </a:tc>
                 <a:extLst>
                   <a:ext uri="{0D108BD9-81ED-4DB2-BD59-A6C34878D82A}">
-                    <a16:rowId xmlns:a16="http://schemas.microsoft.com/office/drawing/2014/main" xmlns="" val="10003"/>
+                    <a16:rowId xmlns="" xmlns:a16="http://schemas.microsoft.com/office/drawing/2014/main" val="10003"/>
                   </a:ext>
                 </a:extLst>
               </a:tr>
@@ -8304,7 +9932,7 @@
                 </a:tc>
                 <a:extLst>
                   <a:ext uri="{0D108BD9-81ED-4DB2-BD59-A6C34878D82A}">
-                    <a16:rowId xmlns:a16="http://schemas.microsoft.com/office/drawing/2014/main" xmlns="" val="10004"/>
+                    <a16:rowId xmlns="" xmlns:a16="http://schemas.microsoft.com/office/drawing/2014/main" val="10004"/>
                   </a:ext>
                 </a:extLst>
               </a:tr>
@@ -8350,7 +9978,7 @@
                 </a:tc>
                 <a:extLst>
                   <a:ext uri="{0D108BD9-81ED-4DB2-BD59-A6C34878D82A}">
-                    <a16:rowId xmlns:a16="http://schemas.microsoft.com/office/drawing/2014/main" xmlns="" val="10005"/>
+                    <a16:rowId xmlns="" xmlns:a16="http://schemas.microsoft.com/office/drawing/2014/main" val="10005"/>
                   </a:ext>
                 </a:extLst>
               </a:tr>
@@ -8363,7 +9991,7 @@
           <p:cNvPr id="3" name="직사각형 2">
             <a:extLst>
               <a:ext uri="{FF2B5EF4-FFF2-40B4-BE49-F238E27FC236}">
-                <a16:creationId xmlns:a16="http://schemas.microsoft.com/office/drawing/2014/main" xmlns="" id="{7C9E9366-B86C-4147-AAEA-0E8C98D7DA95}"/>
+                <a16:creationId xmlns="" xmlns:a16="http://schemas.microsoft.com/office/drawing/2014/main" id="{7C9E9366-B86C-4147-AAEA-0E8C98D7DA95}"/>
               </a:ext>
             </a:extLst>
           </p:cNvPr>
@@ -8415,7 +10043,7 @@
           <p:cNvPr id="7" name="직사각형 6">
             <a:extLst>
               <a:ext uri="{FF2B5EF4-FFF2-40B4-BE49-F238E27FC236}">
-                <a16:creationId xmlns:a16="http://schemas.microsoft.com/office/drawing/2014/main" xmlns="" id="{DA06AE45-F21F-4390-88D7-43E648964D4B}"/>
+                <a16:creationId xmlns="" xmlns:a16="http://schemas.microsoft.com/office/drawing/2014/main" id="{DA06AE45-F21F-4390-88D7-43E648964D4B}"/>
               </a:ext>
             </a:extLst>
           </p:cNvPr>
@@ -8653,7 +10281,7 @@
           <p:cNvPr id="17" name="직사각형 16">
             <a:extLst>
               <a:ext uri="{FF2B5EF4-FFF2-40B4-BE49-F238E27FC236}">
-                <a16:creationId xmlns:a16="http://schemas.microsoft.com/office/drawing/2014/main" xmlns="" id="{B7BBD8C3-F0E8-4C1C-942C-48D296A16E6D}"/>
+                <a16:creationId xmlns="" xmlns:a16="http://schemas.microsoft.com/office/drawing/2014/main" id="{B7BBD8C3-F0E8-4C1C-942C-48D296A16E6D}"/>
               </a:ext>
             </a:extLst>
           </p:cNvPr>
@@ -8766,7 +10394,7 @@
           <p:cNvPr id="20" name="그림 19">
             <a:extLst>
               <a:ext uri="{FF2B5EF4-FFF2-40B4-BE49-F238E27FC236}">
-                <a16:creationId xmlns:a16="http://schemas.microsoft.com/office/drawing/2014/main" xmlns="" id="{99ADACC4-2056-4928-8823-92A4546B8DB6}"/>
+                <a16:creationId xmlns="" xmlns:a16="http://schemas.microsoft.com/office/drawing/2014/main" id="{99ADACC4-2056-4928-8823-92A4546B8DB6}"/>
               </a:ext>
             </a:extLst>
           </p:cNvPr>
@@ -9175,11 +10803,7 @@
             </a:r>
             <a:r>
               <a:rPr lang="ko-KR" altLang="en-US" dirty="0" smtClean="0"/>
-              <a:t> </a:t>
-            </a:r>
-            <a:r>
-              <a:rPr lang="ko-KR" altLang="en-US" dirty="0" smtClean="0"/>
-              <a:t>인증</a:t>
+              <a:t> 인증</a:t>
             </a:r>
             <a:endParaRPr lang="en-US" altLang="ko-KR" dirty="0" smtClean="0"/>
           </a:p>
@@ -9190,11 +10814,7 @@
             </a:pPr>
             <a:r>
               <a:rPr lang="ko-KR" altLang="en-US" sz="1200" dirty="0" smtClean="0"/>
-              <a:t>회원 가입 </a:t>
-            </a:r>
-            <a:r>
-              <a:rPr lang="ko-KR" altLang="en-US" sz="1200" dirty="0" smtClean="0"/>
-              <a:t>요청 시 해당 </a:t>
+              <a:t>회원 가입 요청 시 해당 </a:t>
             </a:r>
             <a:r>
               <a:rPr lang="ko-KR" altLang="en-US" sz="1200" dirty="0" err="1" smtClean="0"/>
@@ -10471,7 +12091,7 @@
                 <a:gridCol w="2688299">
                   <a:extLst>
                     <a:ext uri="{9D8B030D-6E8A-4147-A177-3AD203B41FA5}">
-                      <a16:colId xmlns:a16="http://schemas.microsoft.com/office/drawing/2014/main" xmlns="" val="20000"/>
+                      <a16:colId xmlns="" xmlns:a16="http://schemas.microsoft.com/office/drawing/2014/main" val="20000"/>
                     </a:ext>
                   </a:extLst>
                 </a:gridCol>
@@ -10503,7 +12123,7 @@
                 </a:tc>
                 <a:extLst>
                   <a:ext uri="{0D108BD9-81ED-4DB2-BD59-A6C34878D82A}">
-                    <a16:rowId xmlns:a16="http://schemas.microsoft.com/office/drawing/2014/main" xmlns="" val="10000"/>
+                    <a16:rowId xmlns="" xmlns:a16="http://schemas.microsoft.com/office/drawing/2014/main" val="10000"/>
                   </a:ext>
                 </a:extLst>
               </a:tr>
@@ -10531,7 +12151,7 @@
                 </a:tc>
                 <a:extLst>
                   <a:ext uri="{0D108BD9-81ED-4DB2-BD59-A6C34878D82A}">
-                    <a16:rowId xmlns:a16="http://schemas.microsoft.com/office/drawing/2014/main" xmlns="" val="10001"/>
+                    <a16:rowId xmlns="" xmlns:a16="http://schemas.microsoft.com/office/drawing/2014/main" val="10001"/>
                   </a:ext>
                 </a:extLst>
               </a:tr>
@@ -10611,14 +12231,14 @@
                 <a:gridCol w="280507">
                   <a:extLst>
                     <a:ext uri="{9D8B030D-6E8A-4147-A177-3AD203B41FA5}">
-                      <a16:colId xmlns:a16="http://schemas.microsoft.com/office/drawing/2014/main" xmlns="" val="20000"/>
+                      <a16:colId xmlns="" xmlns:a16="http://schemas.microsoft.com/office/drawing/2014/main" val="20000"/>
                     </a:ext>
                   </a:extLst>
                 </a:gridCol>
                 <a:gridCol w="2407792">
                   <a:extLst>
                     <a:ext uri="{9D8B030D-6E8A-4147-A177-3AD203B41FA5}">
-                      <a16:colId xmlns:a16="http://schemas.microsoft.com/office/drawing/2014/main" xmlns="" val="20001"/>
+                      <a16:colId xmlns="" xmlns:a16="http://schemas.microsoft.com/office/drawing/2014/main" val="20001"/>
                     </a:ext>
                   </a:extLst>
                 </a:gridCol>
@@ -10672,7 +12292,7 @@
                 </a:tc>
                 <a:extLst>
                   <a:ext uri="{0D108BD9-81ED-4DB2-BD59-A6C34878D82A}">
-                    <a16:rowId xmlns:a16="http://schemas.microsoft.com/office/drawing/2014/main" xmlns="" val="10000"/>
+                    <a16:rowId xmlns="" xmlns:a16="http://schemas.microsoft.com/office/drawing/2014/main" val="10000"/>
                   </a:ext>
                 </a:extLst>
               </a:tr>
@@ -10868,7 +12488,7 @@
                 </a:tc>
                 <a:extLst>
                   <a:ext uri="{0D108BD9-81ED-4DB2-BD59-A6C34878D82A}">
-                    <a16:rowId xmlns:a16="http://schemas.microsoft.com/office/drawing/2014/main" xmlns="" val="10001"/>
+                    <a16:rowId xmlns="" xmlns:a16="http://schemas.microsoft.com/office/drawing/2014/main" val="10001"/>
                   </a:ext>
                 </a:extLst>
               </a:tr>
@@ -10919,7 +12539,7 @@
                 </a:tc>
                 <a:extLst>
                   <a:ext uri="{0D108BD9-81ED-4DB2-BD59-A6C34878D82A}">
-                    <a16:rowId xmlns:a16="http://schemas.microsoft.com/office/drawing/2014/main" xmlns="" val="10002"/>
+                    <a16:rowId xmlns="" xmlns:a16="http://schemas.microsoft.com/office/drawing/2014/main" val="10002"/>
                   </a:ext>
                 </a:extLst>
               </a:tr>
@@ -10965,7 +12585,7 @@
                 </a:tc>
                 <a:extLst>
                   <a:ext uri="{0D108BD9-81ED-4DB2-BD59-A6C34878D82A}">
-                    <a16:rowId xmlns:a16="http://schemas.microsoft.com/office/drawing/2014/main" xmlns="" val="10003"/>
+                    <a16:rowId xmlns="" xmlns:a16="http://schemas.microsoft.com/office/drawing/2014/main" val="10003"/>
                   </a:ext>
                 </a:extLst>
               </a:tr>
@@ -11011,7 +12631,7 @@
                 </a:tc>
                 <a:extLst>
                   <a:ext uri="{0D108BD9-81ED-4DB2-BD59-A6C34878D82A}">
-                    <a16:rowId xmlns:a16="http://schemas.microsoft.com/office/drawing/2014/main" xmlns="" val="10004"/>
+                    <a16:rowId xmlns="" xmlns:a16="http://schemas.microsoft.com/office/drawing/2014/main" val="10004"/>
                   </a:ext>
                 </a:extLst>
               </a:tr>
@@ -11057,7 +12677,7 @@
                 </a:tc>
                 <a:extLst>
                   <a:ext uri="{0D108BD9-81ED-4DB2-BD59-A6C34878D82A}">
-                    <a16:rowId xmlns:a16="http://schemas.microsoft.com/office/drawing/2014/main" xmlns="" val="10005"/>
+                    <a16:rowId xmlns="" xmlns:a16="http://schemas.microsoft.com/office/drawing/2014/main" val="10005"/>
                   </a:ext>
                 </a:extLst>
               </a:tr>
@@ -11070,7 +12690,7 @@
           <p:cNvPr id="3" name="직사각형 2">
             <a:extLst>
               <a:ext uri="{FF2B5EF4-FFF2-40B4-BE49-F238E27FC236}">
-                <a16:creationId xmlns:a16="http://schemas.microsoft.com/office/drawing/2014/main" xmlns="" id="{7C9E9366-B86C-4147-AAEA-0E8C98D7DA95}"/>
+                <a16:creationId xmlns="" xmlns:a16="http://schemas.microsoft.com/office/drawing/2014/main" id="{7C9E9366-B86C-4147-AAEA-0E8C98D7DA95}"/>
               </a:ext>
             </a:extLst>
           </p:cNvPr>
@@ -11122,7 +12742,7 @@
           <p:cNvPr id="7" name="직사각형 6">
             <a:extLst>
               <a:ext uri="{FF2B5EF4-FFF2-40B4-BE49-F238E27FC236}">
-                <a16:creationId xmlns:a16="http://schemas.microsoft.com/office/drawing/2014/main" xmlns="" id="{DA06AE45-F21F-4390-88D7-43E648964D4B}"/>
+                <a16:creationId xmlns="" xmlns:a16="http://schemas.microsoft.com/office/drawing/2014/main" id="{DA06AE45-F21F-4390-88D7-43E648964D4B}"/>
               </a:ext>
             </a:extLst>
           </p:cNvPr>
@@ -11181,7 +12801,7 @@
           <p:cNvPr id="15" name="직사각형 14">
             <a:extLst>
               <a:ext uri="{FF2B5EF4-FFF2-40B4-BE49-F238E27FC236}">
-                <a16:creationId xmlns:a16="http://schemas.microsoft.com/office/drawing/2014/main" xmlns="" id="{DA06AE45-F21F-4390-88D7-43E648964D4B}"/>
+                <a16:creationId xmlns="" xmlns:a16="http://schemas.microsoft.com/office/drawing/2014/main" id="{DA06AE45-F21F-4390-88D7-43E648964D4B}"/>
               </a:ext>
             </a:extLst>
           </p:cNvPr>
@@ -11273,7 +12893,7 @@
           <p:cNvPr id="20" name="직사각형 19">
             <a:extLst>
               <a:ext uri="{FF2B5EF4-FFF2-40B4-BE49-F238E27FC236}">
-                <a16:creationId xmlns:a16="http://schemas.microsoft.com/office/drawing/2014/main" xmlns="" id="{DA06AE45-F21F-4390-88D7-43E648964D4B}"/>
+                <a16:creationId xmlns="" xmlns:a16="http://schemas.microsoft.com/office/drawing/2014/main" id="{DA06AE45-F21F-4390-88D7-43E648964D4B}"/>
               </a:ext>
             </a:extLst>
           </p:cNvPr>
@@ -11369,7 +12989,7 @@
           <p:cNvPr id="21" name="직사각형 20">
             <a:extLst>
               <a:ext uri="{FF2B5EF4-FFF2-40B4-BE49-F238E27FC236}">
-                <a16:creationId xmlns:a16="http://schemas.microsoft.com/office/drawing/2014/main" xmlns="" id="{521578B3-9B87-4D48-AA48-338BCD4E5A0C}"/>
+                <a16:creationId xmlns="" xmlns:a16="http://schemas.microsoft.com/office/drawing/2014/main" id="{521578B3-9B87-4D48-AA48-338BCD4E5A0C}"/>
               </a:ext>
             </a:extLst>
           </p:cNvPr>
@@ -11482,7 +13102,7 @@
           <p:cNvPr id="22" name="그림 21">
             <a:extLst>
               <a:ext uri="{FF2B5EF4-FFF2-40B4-BE49-F238E27FC236}">
-                <a16:creationId xmlns:a16="http://schemas.microsoft.com/office/drawing/2014/main" xmlns="" id="{C6ACB435-C1F8-4C81-8C24-C566ABCE267B}"/>
+                <a16:creationId xmlns="" xmlns:a16="http://schemas.microsoft.com/office/drawing/2014/main" id="{C6ACB435-C1F8-4C81-8C24-C566ABCE267B}"/>
               </a:ext>
             </a:extLst>
           </p:cNvPr>
@@ -12965,7 +14585,7 @@
                 <a:gridCol w="2688299">
                   <a:extLst>
                     <a:ext uri="{9D8B030D-6E8A-4147-A177-3AD203B41FA5}">
-                      <a16:colId xmlns:a16="http://schemas.microsoft.com/office/drawing/2014/main" xmlns="" val="20000"/>
+                      <a16:colId xmlns="" xmlns:a16="http://schemas.microsoft.com/office/drawing/2014/main" val="20000"/>
                     </a:ext>
                   </a:extLst>
                 </a:gridCol>
@@ -12997,7 +14617,7 @@
                 </a:tc>
                 <a:extLst>
                   <a:ext uri="{0D108BD9-81ED-4DB2-BD59-A6C34878D82A}">
-                    <a16:rowId xmlns:a16="http://schemas.microsoft.com/office/drawing/2014/main" xmlns="" val="10000"/>
+                    <a16:rowId xmlns="" xmlns:a16="http://schemas.microsoft.com/office/drawing/2014/main" val="10000"/>
                   </a:ext>
                 </a:extLst>
               </a:tr>
@@ -13049,7 +14669,7 @@
                 </a:tc>
                 <a:extLst>
                   <a:ext uri="{0D108BD9-81ED-4DB2-BD59-A6C34878D82A}">
-                    <a16:rowId xmlns:a16="http://schemas.microsoft.com/office/drawing/2014/main" xmlns="" val="10001"/>
+                    <a16:rowId xmlns="" xmlns:a16="http://schemas.microsoft.com/office/drawing/2014/main" val="10001"/>
                   </a:ext>
                 </a:extLst>
               </a:tr>
@@ -13129,14 +14749,14 @@
                 <a:gridCol w="280507">
                   <a:extLst>
                     <a:ext uri="{9D8B030D-6E8A-4147-A177-3AD203B41FA5}">
-                      <a16:colId xmlns:a16="http://schemas.microsoft.com/office/drawing/2014/main" xmlns="" val="20000"/>
+                      <a16:colId xmlns="" xmlns:a16="http://schemas.microsoft.com/office/drawing/2014/main" val="20000"/>
                     </a:ext>
                   </a:extLst>
                 </a:gridCol>
                 <a:gridCol w="2407792">
                   <a:extLst>
                     <a:ext uri="{9D8B030D-6E8A-4147-A177-3AD203B41FA5}">
-                      <a16:colId xmlns:a16="http://schemas.microsoft.com/office/drawing/2014/main" xmlns="" val="20001"/>
+                      <a16:colId xmlns="" xmlns:a16="http://schemas.microsoft.com/office/drawing/2014/main" val="20001"/>
                     </a:ext>
                   </a:extLst>
                 </a:gridCol>
@@ -13190,7 +14810,7 @@
                 </a:tc>
                 <a:extLst>
                   <a:ext uri="{0D108BD9-81ED-4DB2-BD59-A6C34878D82A}">
-                    <a16:rowId xmlns:a16="http://schemas.microsoft.com/office/drawing/2014/main" xmlns="" val="10000"/>
+                    <a16:rowId xmlns="" xmlns:a16="http://schemas.microsoft.com/office/drawing/2014/main" val="10000"/>
                   </a:ext>
                 </a:extLst>
               </a:tr>
@@ -13292,7 +14912,7 @@
                 </a:tc>
                 <a:extLst>
                   <a:ext uri="{0D108BD9-81ED-4DB2-BD59-A6C34878D82A}">
-                    <a16:rowId xmlns:a16="http://schemas.microsoft.com/office/drawing/2014/main" xmlns="" val="10001"/>
+                    <a16:rowId xmlns="" xmlns:a16="http://schemas.microsoft.com/office/drawing/2014/main" val="10001"/>
                   </a:ext>
                 </a:extLst>
               </a:tr>
@@ -13343,7 +14963,7 @@
                 </a:tc>
                 <a:extLst>
                   <a:ext uri="{0D108BD9-81ED-4DB2-BD59-A6C34878D82A}">
-                    <a16:rowId xmlns:a16="http://schemas.microsoft.com/office/drawing/2014/main" xmlns="" val="10002"/>
+                    <a16:rowId xmlns="" xmlns:a16="http://schemas.microsoft.com/office/drawing/2014/main" val="10002"/>
                   </a:ext>
                 </a:extLst>
               </a:tr>
@@ -13389,7 +15009,7 @@
                 </a:tc>
                 <a:extLst>
                   <a:ext uri="{0D108BD9-81ED-4DB2-BD59-A6C34878D82A}">
-                    <a16:rowId xmlns:a16="http://schemas.microsoft.com/office/drawing/2014/main" xmlns="" val="10003"/>
+                    <a16:rowId xmlns="" xmlns:a16="http://schemas.microsoft.com/office/drawing/2014/main" val="10003"/>
                   </a:ext>
                 </a:extLst>
               </a:tr>
@@ -13435,7 +15055,7 @@
                 </a:tc>
                 <a:extLst>
                   <a:ext uri="{0D108BD9-81ED-4DB2-BD59-A6C34878D82A}">
-                    <a16:rowId xmlns:a16="http://schemas.microsoft.com/office/drawing/2014/main" xmlns="" val="10004"/>
+                    <a16:rowId xmlns="" xmlns:a16="http://schemas.microsoft.com/office/drawing/2014/main" val="10004"/>
                   </a:ext>
                 </a:extLst>
               </a:tr>
@@ -13481,7 +15101,7 @@
                 </a:tc>
                 <a:extLst>
                   <a:ext uri="{0D108BD9-81ED-4DB2-BD59-A6C34878D82A}">
-                    <a16:rowId xmlns:a16="http://schemas.microsoft.com/office/drawing/2014/main" xmlns="" val="10005"/>
+                    <a16:rowId xmlns="" xmlns:a16="http://schemas.microsoft.com/office/drawing/2014/main" val="10005"/>
                   </a:ext>
                 </a:extLst>
               </a:tr>
@@ -13494,7 +15114,7 @@
           <p:cNvPr id="3" name="직사각형 2">
             <a:extLst>
               <a:ext uri="{FF2B5EF4-FFF2-40B4-BE49-F238E27FC236}">
-                <a16:creationId xmlns:a16="http://schemas.microsoft.com/office/drawing/2014/main" xmlns="" id="{7C9E9366-B86C-4147-AAEA-0E8C98D7DA95}"/>
+                <a16:creationId xmlns="" xmlns:a16="http://schemas.microsoft.com/office/drawing/2014/main" id="{7C9E9366-B86C-4147-AAEA-0E8C98D7DA95}"/>
               </a:ext>
             </a:extLst>
           </p:cNvPr>
@@ -13546,7 +15166,7 @@
           <p:cNvPr id="7" name="직사각형 6">
             <a:extLst>
               <a:ext uri="{FF2B5EF4-FFF2-40B4-BE49-F238E27FC236}">
-                <a16:creationId xmlns:a16="http://schemas.microsoft.com/office/drawing/2014/main" xmlns="" id="{DA06AE45-F21F-4390-88D7-43E648964D4B}"/>
+                <a16:creationId xmlns="" xmlns:a16="http://schemas.microsoft.com/office/drawing/2014/main" id="{DA06AE45-F21F-4390-88D7-43E648964D4B}"/>
               </a:ext>
             </a:extLst>
           </p:cNvPr>
@@ -13663,7 +15283,7 @@
           <p:cNvPr id="20" name="직사각형 19">
             <a:extLst>
               <a:ext uri="{FF2B5EF4-FFF2-40B4-BE49-F238E27FC236}">
-                <a16:creationId xmlns:a16="http://schemas.microsoft.com/office/drawing/2014/main" xmlns="" id="{DA06AE45-F21F-4390-88D7-43E648964D4B}"/>
+                <a16:creationId xmlns="" xmlns:a16="http://schemas.microsoft.com/office/drawing/2014/main" id="{DA06AE45-F21F-4390-88D7-43E648964D4B}"/>
               </a:ext>
             </a:extLst>
           </p:cNvPr>
@@ -13722,7 +15342,7 @@
           <p:cNvPr id="17" name="직사각형 16">
             <a:extLst>
               <a:ext uri="{FF2B5EF4-FFF2-40B4-BE49-F238E27FC236}">
-                <a16:creationId xmlns:a16="http://schemas.microsoft.com/office/drawing/2014/main" xmlns="" id="{DF16F67D-C475-4BC3-8967-27B77B9E9807}"/>
+                <a16:creationId xmlns="" xmlns:a16="http://schemas.microsoft.com/office/drawing/2014/main" id="{DF16F67D-C475-4BC3-8967-27B77B9E9807}"/>
               </a:ext>
             </a:extLst>
           </p:cNvPr>
@@ -13887,7 +15507,7 @@
           <p:cNvPr id="21" name="그림 20">
             <a:extLst>
               <a:ext uri="{FF2B5EF4-FFF2-40B4-BE49-F238E27FC236}">
-                <a16:creationId xmlns:a16="http://schemas.microsoft.com/office/drawing/2014/main" xmlns="" id="{45D5577E-45C2-4C80-87F1-68F9E9632C46}"/>
+                <a16:creationId xmlns="" xmlns:a16="http://schemas.microsoft.com/office/drawing/2014/main" id="{45D5577E-45C2-4C80-87F1-68F9E9632C46}"/>
               </a:ext>
             </a:extLst>
           </p:cNvPr>
